--- a/Graphics.pptx
+++ b/Graphics.pptx
@@ -128,7 +128,7 @@
   <pc:docChgLst>
     <pc:chgData name="Tom" userId="08c3c7390a66d5b3" providerId="LiveId" clId="{DB1D6124-7F59-40DE-A6B4-742EEE5E6F2F}"/>
     <pc:docChg chg="undo custSel addSld delSld modSld">
-      <pc:chgData name="Tom" userId="08c3c7390a66d5b3" providerId="LiveId" clId="{DB1D6124-7F59-40DE-A6B4-742EEE5E6F2F}" dt="2023-01-03T13:36:42.314" v="1107" actId="1036"/>
+      <pc:chgData name="Tom" userId="08c3c7390a66d5b3" providerId="LiveId" clId="{DB1D6124-7F59-40DE-A6B4-742EEE5E6F2F}" dt="2023-01-06T02:04:51.026" v="1121" actId="1035"/>
       <pc:docMkLst>
         <pc:docMk/>
       </pc:docMkLst>
@@ -570,7 +570,7 @@
         </pc:spChg>
       </pc:sldChg>
       <pc:sldChg chg="addSp delSp modSp add mod">
-        <pc:chgData name="Tom" userId="08c3c7390a66d5b3" providerId="LiveId" clId="{DB1D6124-7F59-40DE-A6B4-742EEE5E6F2F}" dt="2023-01-03T13:36:42.314" v="1107" actId="1036"/>
+        <pc:chgData name="Tom" userId="08c3c7390a66d5b3" providerId="LiveId" clId="{DB1D6124-7F59-40DE-A6B4-742EEE5E6F2F}" dt="2023-01-06T02:04:51.026" v="1121" actId="1035"/>
         <pc:sldMkLst>
           <pc:docMk/>
           <pc:sldMk cId="636595869" sldId="260"/>
@@ -592,7 +592,7 @@
           </ac:spMkLst>
         </pc:spChg>
         <pc:spChg chg="add mod">
-          <ac:chgData name="Tom" userId="08c3c7390a66d5b3" providerId="LiveId" clId="{DB1D6124-7F59-40DE-A6B4-742EEE5E6F2F}" dt="2023-01-03T13:36:17.728" v="1082" actId="1035"/>
+          <ac:chgData name="Tom" userId="08c3c7390a66d5b3" providerId="LiveId" clId="{DB1D6124-7F59-40DE-A6B4-742EEE5E6F2F}" dt="2023-01-06T02:04:51.026" v="1121" actId="1035"/>
           <ac:spMkLst>
             <pc:docMk/>
             <pc:sldMk cId="636595869" sldId="260"/>
@@ -616,7 +616,7 @@
           </ac:spMkLst>
         </pc:spChg>
         <pc:spChg chg="mod">
-          <ac:chgData name="Tom" userId="08c3c7390a66d5b3" providerId="LiveId" clId="{DB1D6124-7F59-40DE-A6B4-742EEE5E6F2F}" dt="2023-01-03T13:36:42.314" v="1107" actId="1036"/>
+          <ac:chgData name="Tom" userId="08c3c7390a66d5b3" providerId="LiveId" clId="{DB1D6124-7F59-40DE-A6B4-742EEE5E6F2F}" dt="2023-01-06T02:04:51.026" v="1121" actId="1035"/>
           <ac:spMkLst>
             <pc:docMk/>
             <pc:sldMk cId="636595869" sldId="260"/>
@@ -728,7 +728,7 @@
           </ac:grpSpMkLst>
         </pc:grpChg>
         <pc:grpChg chg="add mod">
-          <ac:chgData name="Tom" userId="08c3c7390a66d5b3" providerId="LiveId" clId="{DB1D6124-7F59-40DE-A6B4-742EEE5E6F2F}" dt="2023-01-03T13:36:42.314" v="1107" actId="1036"/>
+          <ac:chgData name="Tom" userId="08c3c7390a66d5b3" providerId="LiveId" clId="{DB1D6124-7F59-40DE-A6B4-742EEE5E6F2F}" dt="2023-01-06T02:04:51.026" v="1121" actId="1035"/>
           <ac:grpSpMkLst>
             <pc:docMk/>
             <pc:sldMk cId="636595869" sldId="260"/>
@@ -776,7 +776,7 @@
           </ac:grpSpMkLst>
         </pc:grpChg>
         <pc:picChg chg="add mod modCrop">
-          <ac:chgData name="Tom" userId="08c3c7390a66d5b3" providerId="LiveId" clId="{DB1D6124-7F59-40DE-A6B4-742EEE5E6F2F}" dt="2023-01-01T15:15:14.652" v="934" actId="1036"/>
+          <ac:chgData name="Tom" userId="08c3c7390a66d5b3" providerId="LiveId" clId="{DB1D6124-7F59-40DE-A6B4-742EEE5E6F2F}" dt="2023-01-06T02:04:51.026" v="1121" actId="1035"/>
           <ac:picMkLst>
             <pc:docMk/>
             <pc:sldMk cId="636595869" sldId="260"/>
@@ -984,7 +984,7 @@
           <a:p>
             <a:fld id="{0F3E4016-0B1F-47AE-9DB5-2BECA5313565}" type="datetimeFigureOut">
               <a:rPr lang="en-US" smtClean="0"/>
-              <a:t>03-Jan-23</a:t>
+              <a:t>06-Jan-23</a:t>
             </a:fld>
             <a:endParaRPr lang="en-US"/>
           </a:p>
@@ -1182,7 +1182,7 @@
           <a:p>
             <a:fld id="{0F3E4016-0B1F-47AE-9DB5-2BECA5313565}" type="datetimeFigureOut">
               <a:rPr lang="en-US" smtClean="0"/>
-              <a:t>03-Jan-23</a:t>
+              <a:t>06-Jan-23</a:t>
             </a:fld>
             <a:endParaRPr lang="en-US"/>
           </a:p>
@@ -1390,7 +1390,7 @@
           <a:p>
             <a:fld id="{0F3E4016-0B1F-47AE-9DB5-2BECA5313565}" type="datetimeFigureOut">
               <a:rPr lang="en-US" smtClean="0"/>
-              <a:t>03-Jan-23</a:t>
+              <a:t>06-Jan-23</a:t>
             </a:fld>
             <a:endParaRPr lang="en-US"/>
           </a:p>
@@ -1588,7 +1588,7 @@
           <a:p>
             <a:fld id="{0F3E4016-0B1F-47AE-9DB5-2BECA5313565}" type="datetimeFigureOut">
               <a:rPr lang="en-US" smtClean="0"/>
-              <a:t>03-Jan-23</a:t>
+              <a:t>06-Jan-23</a:t>
             </a:fld>
             <a:endParaRPr lang="en-US"/>
           </a:p>
@@ -1863,7 +1863,7 @@
           <a:p>
             <a:fld id="{0F3E4016-0B1F-47AE-9DB5-2BECA5313565}" type="datetimeFigureOut">
               <a:rPr lang="en-US" smtClean="0"/>
-              <a:t>03-Jan-23</a:t>
+              <a:t>06-Jan-23</a:t>
             </a:fld>
             <a:endParaRPr lang="en-US"/>
           </a:p>
@@ -2128,7 +2128,7 @@
           <a:p>
             <a:fld id="{0F3E4016-0B1F-47AE-9DB5-2BECA5313565}" type="datetimeFigureOut">
               <a:rPr lang="en-US" smtClean="0"/>
-              <a:t>03-Jan-23</a:t>
+              <a:t>06-Jan-23</a:t>
             </a:fld>
             <a:endParaRPr lang="en-US"/>
           </a:p>
@@ -2540,7 +2540,7 @@
           <a:p>
             <a:fld id="{0F3E4016-0B1F-47AE-9DB5-2BECA5313565}" type="datetimeFigureOut">
               <a:rPr lang="en-US" smtClean="0"/>
-              <a:t>03-Jan-23</a:t>
+              <a:t>06-Jan-23</a:t>
             </a:fld>
             <a:endParaRPr lang="en-US"/>
           </a:p>
@@ -2681,7 +2681,7 @@
           <a:p>
             <a:fld id="{0F3E4016-0B1F-47AE-9DB5-2BECA5313565}" type="datetimeFigureOut">
               <a:rPr lang="en-US" smtClean="0"/>
-              <a:t>03-Jan-23</a:t>
+              <a:t>06-Jan-23</a:t>
             </a:fld>
             <a:endParaRPr lang="en-US"/>
           </a:p>
@@ -2794,7 +2794,7 @@
           <a:p>
             <a:fld id="{0F3E4016-0B1F-47AE-9DB5-2BECA5313565}" type="datetimeFigureOut">
               <a:rPr lang="en-US" smtClean="0"/>
-              <a:t>03-Jan-23</a:t>
+              <a:t>06-Jan-23</a:t>
             </a:fld>
             <a:endParaRPr lang="en-US"/>
           </a:p>
@@ -3105,7 +3105,7 @@
           <a:p>
             <a:fld id="{0F3E4016-0B1F-47AE-9DB5-2BECA5313565}" type="datetimeFigureOut">
               <a:rPr lang="en-US" smtClean="0"/>
-              <a:t>03-Jan-23</a:t>
+              <a:t>06-Jan-23</a:t>
             </a:fld>
             <a:endParaRPr lang="en-US"/>
           </a:p>
@@ -3393,7 +3393,7 @@
           <a:p>
             <a:fld id="{0F3E4016-0B1F-47AE-9DB5-2BECA5313565}" type="datetimeFigureOut">
               <a:rPr lang="en-US" smtClean="0"/>
-              <a:t>03-Jan-23</a:t>
+              <a:t>06-Jan-23</a:t>
             </a:fld>
             <a:endParaRPr lang="en-US"/>
           </a:p>
@@ -3634,7 +3634,7 @@
           <a:p>
             <a:fld id="{0F3E4016-0B1F-47AE-9DB5-2BECA5313565}" type="datetimeFigureOut">
               <a:rPr lang="en-US" smtClean="0"/>
-              <a:t>03-Jan-23</a:t>
+              <a:t>06-Jan-23</a:t>
             </a:fld>
             <a:endParaRPr lang="en-US"/>
           </a:p>
@@ -6959,7 +6959,7 @@
         </p:nvSpPr>
         <p:spPr>
           <a:xfrm>
-            <a:off x="2545855" y="6262413"/>
+            <a:off x="2523929" y="6304739"/>
             <a:ext cx="7199280" cy="369332"/>
           </a:xfrm>
           <a:prstGeom prst="rect">
@@ -7008,8 +7008,8 @@
         </p:blipFill>
         <p:spPr bwMode="auto">
           <a:xfrm>
-            <a:off x="2387600" y="135988"/>
-            <a:ext cx="7315200" cy="2882684"/>
+            <a:off x="2878450" y="156682"/>
+            <a:ext cx="6256371" cy="2465434"/>
           </a:xfrm>
           <a:prstGeom prst="rect">
             <a:avLst/>
@@ -7034,7 +7034,7 @@
         </p:nvSpPr>
         <p:spPr>
           <a:xfrm>
-            <a:off x="4156136" y="2805710"/>
+            <a:off x="4156136" y="2736137"/>
             <a:ext cx="4015409" cy="369332"/>
           </a:xfrm>
           <a:prstGeom prst="rect">
@@ -7070,8 +7070,8 @@
         </p:nvGrpSpPr>
         <p:grpSpPr>
           <a:xfrm>
-            <a:off x="878489" y="3419086"/>
-            <a:ext cx="9585602" cy="2906633"/>
+            <a:off x="530618" y="3219490"/>
+            <a:ext cx="10372607" cy="3145276"/>
             <a:chOff x="836154" y="3241281"/>
             <a:chExt cx="9585602" cy="2906633"/>
           </a:xfrm>

--- a/Graphics.pptx
+++ b/Graphics.pptx
@@ -9,6 +9,8 @@
     <p:sldId id="257" r:id="rId3"/>
     <p:sldId id="258" r:id="rId4"/>
     <p:sldId id="260" r:id="rId5"/>
+    <p:sldId id="261" r:id="rId6"/>
+    <p:sldId id="262" r:id="rId7"/>
   </p:sldIdLst>
   <p:sldSz cx="12192000" cy="6858000"/>
   <p:notesSz cx="6858000" cy="9144000"/>
@@ -118,7 +120,7 @@
 <file path=ppt/revisionInfo.xml><?xml version="1.0" encoding="utf-8"?>
 <p1510:revInfo xmlns:a="http://schemas.openxmlformats.org/drawingml/2006/main" xmlns:r="http://schemas.openxmlformats.org/officeDocument/2006/relationships" xmlns:p1510="http://schemas.microsoft.com/office/powerpoint/2015/10/main">
   <p1510:revLst>
-    <p1510:client id="{DB1D6124-7F59-40DE-A6B4-742EEE5E6F2F}" v="47" dt="2023-01-03T13:36:31.803"/>
+    <p1510:client id="{DB1D6124-7F59-40DE-A6B4-742EEE5E6F2F}" v="89" dt="2023-01-13T01:34:54.773"/>
   </p1510:revLst>
 </p1510:revInfo>
 </file>
@@ -128,7 +130,7 @@
   <pc:docChgLst>
     <pc:chgData name="Tom" userId="08c3c7390a66d5b3" providerId="LiveId" clId="{DB1D6124-7F59-40DE-A6B4-742EEE5E6F2F}"/>
     <pc:docChg chg="undo custSel addSld delSld modSld">
-      <pc:chgData name="Tom" userId="08c3c7390a66d5b3" providerId="LiveId" clId="{DB1D6124-7F59-40DE-A6B4-742EEE5E6F2F}" dt="2023-01-06T02:04:51.026" v="1121" actId="1035"/>
+      <pc:chgData name="Tom" userId="08c3c7390a66d5b3" providerId="LiveId" clId="{DB1D6124-7F59-40DE-A6B4-742EEE5E6F2F}" dt="2023-01-13T01:37:37.614" v="2551" actId="1037"/>
       <pc:docMkLst>
         <pc:docMk/>
       </pc:docMkLst>
@@ -831,6 +833,556 @@
             <ac:cxnSpMk id="18" creationId="{52D3117C-43AF-422B-CC00-C168E5263B80}"/>
           </ac:cxnSpMkLst>
         </pc:cxnChg>
+      </pc:sldChg>
+      <pc:sldChg chg="addSp delSp modSp new mod">
+        <pc:chgData name="Tom" userId="08c3c7390a66d5b3" providerId="LiveId" clId="{DB1D6124-7F59-40DE-A6B4-742EEE5E6F2F}" dt="2023-01-12T14:24:00.129" v="2217" actId="1037"/>
+        <pc:sldMkLst>
+          <pc:docMk/>
+          <pc:sldMk cId="2715119763" sldId="261"/>
+        </pc:sldMkLst>
+        <pc:spChg chg="del">
+          <ac:chgData name="Tom" userId="08c3c7390a66d5b3" providerId="LiveId" clId="{DB1D6124-7F59-40DE-A6B4-742EEE5E6F2F}" dt="2023-01-12T13:54:12.944" v="1123" actId="478"/>
+          <ac:spMkLst>
+            <pc:docMk/>
+            <pc:sldMk cId="2715119763" sldId="261"/>
+            <ac:spMk id="2" creationId="{D8383585-926E-CDCE-653F-C06414D19AAA}"/>
+          </ac:spMkLst>
+        </pc:spChg>
+        <pc:spChg chg="del">
+          <ac:chgData name="Tom" userId="08c3c7390a66d5b3" providerId="LiveId" clId="{DB1D6124-7F59-40DE-A6B4-742EEE5E6F2F}" dt="2023-01-12T13:54:12.944" v="1123" actId="478"/>
+          <ac:spMkLst>
+            <pc:docMk/>
+            <pc:sldMk cId="2715119763" sldId="261"/>
+            <ac:spMk id="3" creationId="{4ED1BF8E-03DC-7831-CACB-20A676D6697A}"/>
+          </ac:spMkLst>
+        </pc:spChg>
+        <pc:spChg chg="add mod">
+          <ac:chgData name="Tom" userId="08c3c7390a66d5b3" providerId="LiveId" clId="{DB1D6124-7F59-40DE-A6B4-742EEE5E6F2F}" dt="2023-01-12T14:04:30.059" v="1409" actId="1035"/>
+          <ac:spMkLst>
+            <pc:docMk/>
+            <pc:sldMk cId="2715119763" sldId="261"/>
+            <ac:spMk id="4" creationId="{6E0E976D-474F-E7B3-28E6-E436FE597284}"/>
+          </ac:spMkLst>
+        </pc:spChg>
+        <pc:spChg chg="add del mod">
+          <ac:chgData name="Tom" userId="08c3c7390a66d5b3" providerId="LiveId" clId="{DB1D6124-7F59-40DE-A6B4-742EEE5E6F2F}" dt="2023-01-12T13:57:31.428" v="1249" actId="478"/>
+          <ac:spMkLst>
+            <pc:docMk/>
+            <pc:sldMk cId="2715119763" sldId="261"/>
+            <ac:spMk id="6" creationId="{246186C6-C024-7BD9-0426-96602BD26AAD}"/>
+          </ac:spMkLst>
+        </pc:spChg>
+        <pc:spChg chg="add mod">
+          <ac:chgData name="Tom" userId="08c3c7390a66d5b3" providerId="LiveId" clId="{DB1D6124-7F59-40DE-A6B4-742EEE5E6F2F}" dt="2023-01-12T14:21:12.156" v="2160" actId="1076"/>
+          <ac:spMkLst>
+            <pc:docMk/>
+            <pc:sldMk cId="2715119763" sldId="261"/>
+            <ac:spMk id="10" creationId="{F7D16AE2-D62B-1BD6-C0F5-A4117748ED86}"/>
+          </ac:spMkLst>
+        </pc:spChg>
+        <pc:spChg chg="add mod">
+          <ac:chgData name="Tom" userId="08c3c7390a66d5b3" providerId="LiveId" clId="{DB1D6124-7F59-40DE-A6B4-742EEE5E6F2F}" dt="2023-01-12T14:20:25.411" v="2132" actId="1035"/>
+          <ac:spMkLst>
+            <pc:docMk/>
+            <pc:sldMk cId="2715119763" sldId="261"/>
+            <ac:spMk id="16" creationId="{766217CF-2D0E-A447-5B19-9EF83A74F273}"/>
+          </ac:spMkLst>
+        </pc:spChg>
+        <pc:spChg chg="add mod">
+          <ac:chgData name="Tom" userId="08c3c7390a66d5b3" providerId="LiveId" clId="{DB1D6124-7F59-40DE-A6B4-742EEE5E6F2F}" dt="2023-01-12T14:20:25.411" v="2132" actId="1035"/>
+          <ac:spMkLst>
+            <pc:docMk/>
+            <pc:sldMk cId="2715119763" sldId="261"/>
+            <ac:spMk id="17" creationId="{F14090E9-26B4-49B6-84E3-268AF71D2CD6}"/>
+          </ac:spMkLst>
+        </pc:spChg>
+        <pc:spChg chg="add mod">
+          <ac:chgData name="Tom" userId="08c3c7390a66d5b3" providerId="LiveId" clId="{DB1D6124-7F59-40DE-A6B4-742EEE5E6F2F}" dt="2023-01-12T14:17:27.505" v="1986" actId="1038"/>
+          <ac:spMkLst>
+            <pc:docMk/>
+            <pc:sldMk cId="2715119763" sldId="261"/>
+            <ac:spMk id="25" creationId="{C1093D99-115E-6EC5-3532-2F70E7D53E1F}"/>
+          </ac:spMkLst>
+        </pc:spChg>
+        <pc:spChg chg="add mod">
+          <ac:chgData name="Tom" userId="08c3c7390a66d5b3" providerId="LiveId" clId="{DB1D6124-7F59-40DE-A6B4-742EEE5E6F2F}" dt="2023-01-12T14:20:25.411" v="2132" actId="1035"/>
+          <ac:spMkLst>
+            <pc:docMk/>
+            <pc:sldMk cId="2715119763" sldId="261"/>
+            <ac:spMk id="28" creationId="{6A1D46B3-BE50-1674-2618-8219B693C652}"/>
+          </ac:spMkLst>
+        </pc:spChg>
+        <pc:spChg chg="add del mod">
+          <ac:chgData name="Tom" userId="08c3c7390a66d5b3" providerId="LiveId" clId="{DB1D6124-7F59-40DE-A6B4-742EEE5E6F2F}" dt="2023-01-12T14:02:41.077" v="1365" actId="478"/>
+          <ac:spMkLst>
+            <pc:docMk/>
+            <pc:sldMk cId="2715119763" sldId="261"/>
+            <ac:spMk id="32" creationId="{448CC26A-C6F9-018A-B1A2-6D7304B0B14F}"/>
+          </ac:spMkLst>
+        </pc:spChg>
+        <pc:spChg chg="add mod">
+          <ac:chgData name="Tom" userId="08c3c7390a66d5b3" providerId="LiveId" clId="{DB1D6124-7F59-40DE-A6B4-742EEE5E6F2F}" dt="2023-01-12T14:20:25.411" v="2132" actId="1035"/>
+          <ac:spMkLst>
+            <pc:docMk/>
+            <pc:sldMk cId="2715119763" sldId="261"/>
+            <ac:spMk id="43" creationId="{4D77995A-8536-6976-9ED3-A58814037811}"/>
+          </ac:spMkLst>
+        </pc:spChg>
+        <pc:spChg chg="add mod">
+          <ac:chgData name="Tom" userId="08c3c7390a66d5b3" providerId="LiveId" clId="{DB1D6124-7F59-40DE-A6B4-742EEE5E6F2F}" dt="2023-01-12T14:19:59.113" v="2111" actId="1038"/>
+          <ac:spMkLst>
+            <pc:docMk/>
+            <pc:sldMk cId="2715119763" sldId="261"/>
+            <ac:spMk id="52" creationId="{77A06DD7-686C-263D-CEBA-FA9092BE4DC1}"/>
+          </ac:spMkLst>
+        </pc:spChg>
+        <pc:spChg chg="add mod">
+          <ac:chgData name="Tom" userId="08c3c7390a66d5b3" providerId="LiveId" clId="{DB1D6124-7F59-40DE-A6B4-742EEE5E6F2F}" dt="2023-01-12T14:18:47.266" v="2015" actId="1036"/>
+          <ac:spMkLst>
+            <pc:docMk/>
+            <pc:sldMk cId="2715119763" sldId="261"/>
+            <ac:spMk id="53" creationId="{D8485D26-F4A1-4282-2987-91466193C649}"/>
+          </ac:spMkLst>
+        </pc:spChg>
+        <pc:spChg chg="add del mod">
+          <ac:chgData name="Tom" userId="08c3c7390a66d5b3" providerId="LiveId" clId="{DB1D6124-7F59-40DE-A6B4-742EEE5E6F2F}" dt="2023-01-12T14:06:45.362" v="1437" actId="478"/>
+          <ac:spMkLst>
+            <pc:docMk/>
+            <pc:sldMk cId="2715119763" sldId="261"/>
+            <ac:spMk id="55" creationId="{E646D717-8083-2BDF-36B4-62710CAC4CAD}"/>
+          </ac:spMkLst>
+        </pc:spChg>
+        <pc:spChg chg="add mod">
+          <ac:chgData name="Tom" userId="08c3c7390a66d5b3" providerId="LiveId" clId="{DB1D6124-7F59-40DE-A6B4-742EEE5E6F2F}" dt="2023-01-12T14:20:34.684" v="2144" actId="1035"/>
+          <ac:spMkLst>
+            <pc:docMk/>
+            <pc:sldMk cId="2715119763" sldId="261"/>
+            <ac:spMk id="60" creationId="{D5B8A7E4-9BBF-4AAE-53C0-F8A01C61ED62}"/>
+          </ac:spMkLst>
+        </pc:spChg>
+        <pc:spChg chg="add mod">
+          <ac:chgData name="Tom" userId="08c3c7390a66d5b3" providerId="LiveId" clId="{DB1D6124-7F59-40DE-A6B4-742EEE5E6F2F}" dt="2023-01-12T14:20:25.411" v="2132" actId="1035"/>
+          <ac:spMkLst>
+            <pc:docMk/>
+            <pc:sldMk cId="2715119763" sldId="261"/>
+            <ac:spMk id="61" creationId="{3C6CE6A0-5F4D-EE68-492E-1163F2272D4D}"/>
+          </ac:spMkLst>
+        </pc:spChg>
+        <pc:spChg chg="add mod">
+          <ac:chgData name="Tom" userId="08c3c7390a66d5b3" providerId="LiveId" clId="{DB1D6124-7F59-40DE-A6B4-742EEE5E6F2F}" dt="2023-01-12T14:23:54.603" v="2213" actId="1037"/>
+          <ac:spMkLst>
+            <pc:docMk/>
+            <pc:sldMk cId="2715119763" sldId="261"/>
+            <ac:spMk id="64" creationId="{A29C57F2-AE31-AEFC-C5EF-0AC6EDC18AB2}"/>
+          </ac:spMkLst>
+        </pc:spChg>
+        <pc:spChg chg="add mod">
+          <ac:chgData name="Tom" userId="08c3c7390a66d5b3" providerId="LiveId" clId="{DB1D6124-7F59-40DE-A6B4-742EEE5E6F2F}" dt="2023-01-12T14:24:00.129" v="2217" actId="1037"/>
+          <ac:spMkLst>
+            <pc:docMk/>
+            <pc:sldMk cId="2715119763" sldId="261"/>
+            <ac:spMk id="72" creationId="{82D75A1E-2DF9-7DC3-C61C-1D307028C272}"/>
+          </ac:spMkLst>
+        </pc:spChg>
+        <pc:spChg chg="add mod">
+          <ac:chgData name="Tom" userId="08c3c7390a66d5b3" providerId="LiveId" clId="{DB1D6124-7F59-40DE-A6B4-742EEE5E6F2F}" dt="2023-01-12T14:22:15.673" v="2172" actId="1076"/>
+          <ac:spMkLst>
+            <pc:docMk/>
+            <pc:sldMk cId="2715119763" sldId="261"/>
+            <ac:spMk id="75" creationId="{82C5D76B-3866-A167-6049-192F764588BC}"/>
+          </ac:spMkLst>
+        </pc:spChg>
+        <pc:spChg chg="add mod">
+          <ac:chgData name="Tom" userId="08c3c7390a66d5b3" providerId="LiveId" clId="{DB1D6124-7F59-40DE-A6B4-742EEE5E6F2F}" dt="2023-01-12T14:18:47.266" v="2015" actId="1036"/>
+          <ac:spMkLst>
+            <pc:docMk/>
+            <pc:sldMk cId="2715119763" sldId="261"/>
+            <ac:spMk id="82" creationId="{865CAFC4-8682-7E77-1597-14BDDC350F43}"/>
+          </ac:spMkLst>
+        </pc:spChg>
+        <pc:spChg chg="add mod">
+          <ac:chgData name="Tom" userId="08c3c7390a66d5b3" providerId="LiveId" clId="{DB1D6124-7F59-40DE-A6B4-742EEE5E6F2F}" dt="2023-01-12T14:18:56.847" v="2029" actId="1035"/>
+          <ac:spMkLst>
+            <pc:docMk/>
+            <pc:sldMk cId="2715119763" sldId="261"/>
+            <ac:spMk id="86" creationId="{508EF2D7-6807-FBAF-201C-E432FD09FB18}"/>
+          </ac:spMkLst>
+        </pc:spChg>
+        <pc:spChg chg="add mod">
+          <ac:chgData name="Tom" userId="08c3c7390a66d5b3" providerId="LiveId" clId="{DB1D6124-7F59-40DE-A6B4-742EEE5E6F2F}" dt="2023-01-12T14:17:02.347" v="1970" actId="1076"/>
+          <ac:spMkLst>
+            <pc:docMk/>
+            <pc:sldMk cId="2715119763" sldId="261"/>
+            <ac:spMk id="87" creationId="{5FF81890-EC9C-3827-42B1-FCEC39704CD7}"/>
+          </ac:spMkLst>
+        </pc:spChg>
+        <pc:spChg chg="add mod">
+          <ac:chgData name="Tom" userId="08c3c7390a66d5b3" providerId="LiveId" clId="{DB1D6124-7F59-40DE-A6B4-742EEE5E6F2F}" dt="2023-01-12T14:23:01.761" v="2207" actId="1037"/>
+          <ac:spMkLst>
+            <pc:docMk/>
+            <pc:sldMk cId="2715119763" sldId="261"/>
+            <ac:spMk id="100" creationId="{043370E0-EBD1-1FC2-4F73-EEB8BBA12278}"/>
+          </ac:spMkLst>
+        </pc:spChg>
+        <pc:cxnChg chg="add mod">
+          <ac:chgData name="Tom" userId="08c3c7390a66d5b3" providerId="LiveId" clId="{DB1D6124-7F59-40DE-A6B4-742EEE5E6F2F}" dt="2023-01-12T14:21:12.156" v="2160" actId="1076"/>
+          <ac:cxnSpMkLst>
+            <pc:docMk/>
+            <pc:sldMk cId="2715119763" sldId="261"/>
+            <ac:cxnSpMk id="5" creationId="{73B00015-38F1-C854-8345-19F039605979}"/>
+          </ac:cxnSpMkLst>
+        </pc:cxnChg>
+        <pc:cxnChg chg="add del mod">
+          <ac:chgData name="Tom" userId="08c3c7390a66d5b3" providerId="LiveId" clId="{DB1D6124-7F59-40DE-A6B4-742EEE5E6F2F}" dt="2023-01-12T13:57:33.727" v="1250" actId="478"/>
+          <ac:cxnSpMkLst>
+            <pc:docMk/>
+            <pc:sldMk cId="2715119763" sldId="261"/>
+            <ac:cxnSpMk id="9" creationId="{9A65F3C2-380B-C5A4-C62A-C930E2D87617}"/>
+          </ac:cxnSpMkLst>
+        </pc:cxnChg>
+        <pc:cxnChg chg="add mod">
+          <ac:chgData name="Tom" userId="08c3c7390a66d5b3" providerId="LiveId" clId="{DB1D6124-7F59-40DE-A6B4-742EEE5E6F2F}" dt="2023-01-12T14:20:25.411" v="2132" actId="1035"/>
+          <ac:cxnSpMkLst>
+            <pc:docMk/>
+            <pc:sldMk cId="2715119763" sldId="261"/>
+            <ac:cxnSpMk id="18" creationId="{4BAC708D-F8E6-D764-AA17-6F234D43985D}"/>
+          </ac:cxnSpMkLst>
+        </pc:cxnChg>
+        <pc:cxnChg chg="add mod">
+          <ac:chgData name="Tom" userId="08c3c7390a66d5b3" providerId="LiveId" clId="{DB1D6124-7F59-40DE-A6B4-742EEE5E6F2F}" dt="2023-01-12T14:21:12.156" v="2160" actId="1076"/>
+          <ac:cxnSpMkLst>
+            <pc:docMk/>
+            <pc:sldMk cId="2715119763" sldId="261"/>
+            <ac:cxnSpMk id="31" creationId="{63BA114F-D05E-8B74-2ABA-EE6FBE2633F5}"/>
+          </ac:cxnSpMkLst>
+        </pc:cxnChg>
+        <pc:cxnChg chg="add mod">
+          <ac:chgData name="Tom" userId="08c3c7390a66d5b3" providerId="LiveId" clId="{DB1D6124-7F59-40DE-A6B4-742EEE5E6F2F}" dt="2023-01-12T14:20:25.411" v="2132" actId="1035"/>
+          <ac:cxnSpMkLst>
+            <pc:docMk/>
+            <pc:sldMk cId="2715119763" sldId="261"/>
+            <ac:cxnSpMk id="38" creationId="{F7818F9A-F013-3F59-5AB8-2E374B67A44E}"/>
+          </ac:cxnSpMkLst>
+        </pc:cxnChg>
+        <pc:cxnChg chg="add mod">
+          <ac:chgData name="Tom" userId="08c3c7390a66d5b3" providerId="LiveId" clId="{DB1D6124-7F59-40DE-A6B4-742EEE5E6F2F}" dt="2023-01-12T14:20:30.130" v="2139" actId="1035"/>
+          <ac:cxnSpMkLst>
+            <pc:docMk/>
+            <pc:sldMk cId="2715119763" sldId="261"/>
+            <ac:cxnSpMk id="47" creationId="{EDE70D0A-4BEA-CB50-9A2F-EE95EEF9C296}"/>
+          </ac:cxnSpMkLst>
+        </pc:cxnChg>
+        <pc:cxnChg chg="add mod">
+          <ac:chgData name="Tom" userId="08c3c7390a66d5b3" providerId="LiveId" clId="{DB1D6124-7F59-40DE-A6B4-742EEE5E6F2F}" dt="2023-01-12T14:23:54.603" v="2213" actId="1037"/>
+          <ac:cxnSpMkLst>
+            <pc:docMk/>
+            <pc:sldMk cId="2715119763" sldId="261"/>
+            <ac:cxnSpMk id="54" creationId="{E9F4BEA2-5D35-32F5-CCA5-C41EB72B0A80}"/>
+          </ac:cxnSpMkLst>
+        </pc:cxnChg>
+        <pc:cxnChg chg="add mod">
+          <ac:chgData name="Tom" userId="08c3c7390a66d5b3" providerId="LiveId" clId="{DB1D6124-7F59-40DE-A6B4-742EEE5E6F2F}" dt="2023-01-12T14:20:25.411" v="2132" actId="1035"/>
+          <ac:cxnSpMkLst>
+            <pc:docMk/>
+            <pc:sldMk cId="2715119763" sldId="261"/>
+            <ac:cxnSpMk id="59" creationId="{029B14FC-0FA5-A17D-D7C9-DBB9AFB7144A}"/>
+          </ac:cxnSpMkLst>
+        </pc:cxnChg>
+        <pc:cxnChg chg="add mod">
+          <ac:chgData name="Tom" userId="08c3c7390a66d5b3" providerId="LiveId" clId="{DB1D6124-7F59-40DE-A6B4-742EEE5E6F2F}" dt="2023-01-12T14:23:54.603" v="2213" actId="1037"/>
+          <ac:cxnSpMkLst>
+            <pc:docMk/>
+            <pc:sldMk cId="2715119763" sldId="261"/>
+            <ac:cxnSpMk id="69" creationId="{04740A69-2D70-C36D-6ACA-9D9FE451F467}"/>
+          </ac:cxnSpMkLst>
+        </pc:cxnChg>
+        <pc:cxnChg chg="add mod">
+          <ac:chgData name="Tom" userId="08c3c7390a66d5b3" providerId="LiveId" clId="{DB1D6124-7F59-40DE-A6B4-742EEE5E6F2F}" dt="2023-01-12T14:22:15.673" v="2172" actId="1076"/>
+          <ac:cxnSpMkLst>
+            <pc:docMk/>
+            <pc:sldMk cId="2715119763" sldId="261"/>
+            <ac:cxnSpMk id="76" creationId="{FD7E90C4-6B06-CEF0-86F7-114565469DF9}"/>
+          </ac:cxnSpMkLst>
+        </pc:cxnChg>
+        <pc:cxnChg chg="add mod">
+          <ac:chgData name="Tom" userId="08c3c7390a66d5b3" providerId="LiveId" clId="{DB1D6124-7F59-40DE-A6B4-742EEE5E6F2F}" dt="2023-01-12T14:22:15.673" v="2172" actId="1076"/>
+          <ac:cxnSpMkLst>
+            <pc:docMk/>
+            <pc:sldMk cId="2715119763" sldId="261"/>
+            <ac:cxnSpMk id="83" creationId="{6901B586-0654-EA38-5268-F668458D325F}"/>
+          </ac:cxnSpMkLst>
+        </pc:cxnChg>
+      </pc:sldChg>
+      <pc:sldChg chg="addSp delSp modSp new mod">
+        <pc:chgData name="Tom" userId="08c3c7390a66d5b3" providerId="LiveId" clId="{DB1D6124-7F59-40DE-A6B4-742EEE5E6F2F}" dt="2023-01-13T01:37:37.614" v="2551" actId="1037"/>
+        <pc:sldMkLst>
+          <pc:docMk/>
+          <pc:sldMk cId="2523442288" sldId="262"/>
+        </pc:sldMkLst>
+        <pc:spChg chg="del">
+          <ac:chgData name="Tom" userId="08c3c7390a66d5b3" providerId="LiveId" clId="{DB1D6124-7F59-40DE-A6B4-742EEE5E6F2F}" dt="2023-01-13T01:21:31.658" v="2219" actId="478"/>
+          <ac:spMkLst>
+            <pc:docMk/>
+            <pc:sldMk cId="2523442288" sldId="262"/>
+            <ac:spMk id="2" creationId="{24C00096-A24E-4DD1-3171-F51ADFCF29F3}"/>
+          </ac:spMkLst>
+        </pc:spChg>
+        <pc:spChg chg="del">
+          <ac:chgData name="Tom" userId="08c3c7390a66d5b3" providerId="LiveId" clId="{DB1D6124-7F59-40DE-A6B4-742EEE5E6F2F}" dt="2023-01-13T01:21:31.658" v="2219" actId="478"/>
+          <ac:spMkLst>
+            <pc:docMk/>
+            <pc:sldMk cId="2523442288" sldId="262"/>
+            <ac:spMk id="3" creationId="{49289260-3FAD-B3AD-F6C9-BBAC43FBBE53}"/>
+          </ac:spMkLst>
+        </pc:spChg>
+        <pc:spChg chg="add mod">
+          <ac:chgData name="Tom" userId="08c3c7390a66d5b3" providerId="LiveId" clId="{DB1D6124-7F59-40DE-A6B4-742EEE5E6F2F}" dt="2023-01-13T01:24:32.426" v="2272" actId="164"/>
+          <ac:spMkLst>
+            <pc:docMk/>
+            <pc:sldMk cId="2523442288" sldId="262"/>
+            <ac:spMk id="4" creationId="{658E8095-C987-5DC5-4F98-5CEF908BBB3E}"/>
+          </ac:spMkLst>
+        </pc:spChg>
+        <pc:spChg chg="add mod">
+          <ac:chgData name="Tom" userId="08c3c7390a66d5b3" providerId="LiveId" clId="{DB1D6124-7F59-40DE-A6B4-742EEE5E6F2F}" dt="2023-01-13T01:24:32.426" v="2272" actId="164"/>
+          <ac:spMkLst>
+            <pc:docMk/>
+            <pc:sldMk cId="2523442288" sldId="262"/>
+            <ac:spMk id="5" creationId="{2D6FCD93-65D7-C04B-B7E5-1D6C69CA31B3}"/>
+          </ac:spMkLst>
+        </pc:spChg>
+        <pc:spChg chg="add del mod">
+          <ac:chgData name="Tom" userId="08c3c7390a66d5b3" providerId="LiveId" clId="{DB1D6124-7F59-40DE-A6B4-742EEE5E6F2F}" dt="2023-01-13T01:23:55.129" v="2257" actId="478"/>
+          <ac:spMkLst>
+            <pc:docMk/>
+            <pc:sldMk cId="2523442288" sldId="262"/>
+            <ac:spMk id="6" creationId="{61945800-8A99-6BCC-4D7C-604F273C2E40}"/>
+          </ac:spMkLst>
+        </pc:spChg>
+        <pc:spChg chg="add mod">
+          <ac:chgData name="Tom" userId="08c3c7390a66d5b3" providerId="LiveId" clId="{DB1D6124-7F59-40DE-A6B4-742EEE5E6F2F}" dt="2023-01-13T01:24:32.426" v="2272" actId="164"/>
+          <ac:spMkLst>
+            <pc:docMk/>
+            <pc:sldMk cId="2523442288" sldId="262"/>
+            <ac:spMk id="7" creationId="{78B06A27-1C35-6CF0-B3B0-29E657E75EFF}"/>
+          </ac:spMkLst>
+        </pc:spChg>
+        <pc:spChg chg="add mod">
+          <ac:chgData name="Tom" userId="08c3c7390a66d5b3" providerId="LiveId" clId="{DB1D6124-7F59-40DE-A6B4-742EEE5E6F2F}" dt="2023-01-13T01:24:32.426" v="2272" actId="164"/>
+          <ac:spMkLst>
+            <pc:docMk/>
+            <pc:sldMk cId="2523442288" sldId="262"/>
+            <ac:spMk id="8" creationId="{84612132-E9B6-ADA5-65D7-83B3BCDDFD94}"/>
+          </ac:spMkLst>
+        </pc:spChg>
+        <pc:spChg chg="add del mod">
+          <ac:chgData name="Tom" userId="08c3c7390a66d5b3" providerId="LiveId" clId="{DB1D6124-7F59-40DE-A6B4-742EEE5E6F2F}" dt="2023-01-13T01:24:57.078" v="2275" actId="478"/>
+          <ac:spMkLst>
+            <pc:docMk/>
+            <pc:sldMk cId="2523442288" sldId="262"/>
+            <ac:spMk id="10" creationId="{ADA2DF1C-6B78-9369-E7F7-FD9CB05194EE}"/>
+          </ac:spMkLst>
+        </pc:spChg>
+        <pc:spChg chg="del mod topLvl">
+          <ac:chgData name="Tom" userId="08c3c7390a66d5b3" providerId="LiveId" clId="{DB1D6124-7F59-40DE-A6B4-742EEE5E6F2F}" dt="2023-01-13T01:25:37.859" v="2279" actId="478"/>
+          <ac:spMkLst>
+            <pc:docMk/>
+            <pc:sldMk cId="2523442288" sldId="262"/>
+            <ac:spMk id="12" creationId="{AC5D7D48-1959-E00C-7C08-D09A5A3E8FF2}"/>
+          </ac:spMkLst>
+        </pc:spChg>
+        <pc:spChg chg="del mod topLvl">
+          <ac:chgData name="Tom" userId="08c3c7390a66d5b3" providerId="LiveId" clId="{DB1D6124-7F59-40DE-A6B4-742EEE5E6F2F}" dt="2023-01-13T01:25:40.505" v="2280" actId="478"/>
+          <ac:spMkLst>
+            <pc:docMk/>
+            <pc:sldMk cId="2523442288" sldId="262"/>
+            <ac:spMk id="13" creationId="{E975CBF7-9C1B-DA36-E641-6B5CFB68C32D}"/>
+          </ac:spMkLst>
+        </pc:spChg>
+        <pc:spChg chg="del mod topLvl">
+          <ac:chgData name="Tom" userId="08c3c7390a66d5b3" providerId="LiveId" clId="{DB1D6124-7F59-40DE-A6B4-742EEE5E6F2F}" dt="2023-01-13T01:25:43.269" v="2281" actId="478"/>
+          <ac:spMkLst>
+            <pc:docMk/>
+            <pc:sldMk cId="2523442288" sldId="262"/>
+            <ac:spMk id="14" creationId="{BDC4F78D-76BE-7C1D-2C3B-2B285A6B76E9}"/>
+          </ac:spMkLst>
+        </pc:spChg>
+        <pc:spChg chg="mod topLvl">
+          <ac:chgData name="Tom" userId="08c3c7390a66d5b3" providerId="LiveId" clId="{DB1D6124-7F59-40DE-A6B4-742EEE5E6F2F}" dt="2023-01-13T01:36:06.634" v="2453" actId="1035"/>
+          <ac:spMkLst>
+            <pc:docMk/>
+            <pc:sldMk cId="2523442288" sldId="262"/>
+            <ac:spMk id="15" creationId="{DC6136E3-2A3B-3E2B-CECB-BAF950397054}"/>
+          </ac:spMkLst>
+        </pc:spChg>
+        <pc:spChg chg="add del mod">
+          <ac:chgData name="Tom" userId="08c3c7390a66d5b3" providerId="LiveId" clId="{DB1D6124-7F59-40DE-A6B4-742EEE5E6F2F}" dt="2023-01-13T01:29:48.912" v="2331" actId="478"/>
+          <ac:spMkLst>
+            <pc:docMk/>
+            <pc:sldMk cId="2523442288" sldId="262"/>
+            <ac:spMk id="16" creationId="{AF0E587A-A67F-4F95-7142-AF841CBF931B}"/>
+          </ac:spMkLst>
+        </pc:spChg>
+        <pc:spChg chg="add mod">
+          <ac:chgData name="Tom" userId="08c3c7390a66d5b3" providerId="LiveId" clId="{DB1D6124-7F59-40DE-A6B4-742EEE5E6F2F}" dt="2023-01-13T01:36:06.634" v="2453" actId="1035"/>
+          <ac:spMkLst>
+            <pc:docMk/>
+            <pc:sldMk cId="2523442288" sldId="262"/>
+            <ac:spMk id="17" creationId="{810CF49E-B496-378C-0ED7-BCEBEB014ECB}"/>
+          </ac:spMkLst>
+        </pc:spChg>
+        <pc:spChg chg="add mod">
+          <ac:chgData name="Tom" userId="08c3c7390a66d5b3" providerId="LiveId" clId="{DB1D6124-7F59-40DE-A6B4-742EEE5E6F2F}" dt="2023-01-13T01:36:06.634" v="2453" actId="1035"/>
+          <ac:spMkLst>
+            <pc:docMk/>
+            <pc:sldMk cId="2523442288" sldId="262"/>
+            <ac:spMk id="18" creationId="{61A2EB42-2AE0-C5CF-9709-8722DD7337E0}"/>
+          </ac:spMkLst>
+        </pc:spChg>
+        <pc:spChg chg="add mod">
+          <ac:chgData name="Tom" userId="08c3c7390a66d5b3" providerId="LiveId" clId="{DB1D6124-7F59-40DE-A6B4-742EEE5E6F2F}" dt="2023-01-13T01:37:13.469" v="2534" actId="1076"/>
+          <ac:spMkLst>
+            <pc:docMk/>
+            <pc:sldMk cId="2523442288" sldId="262"/>
+            <ac:spMk id="19" creationId="{31CCB473-6AB0-868A-CE1E-AB690D04152C}"/>
+          </ac:spMkLst>
+        </pc:spChg>
+        <pc:spChg chg="add mod">
+          <ac:chgData name="Tom" userId="08c3c7390a66d5b3" providerId="LiveId" clId="{DB1D6124-7F59-40DE-A6B4-742EEE5E6F2F}" dt="2023-01-13T01:37:37.614" v="2551" actId="1037"/>
+          <ac:spMkLst>
+            <pc:docMk/>
+            <pc:sldMk cId="2523442288" sldId="262"/>
+            <ac:spMk id="20" creationId="{5B33A942-5E71-DAF1-9897-A07941F9B9AF}"/>
+          </ac:spMkLst>
+        </pc:spChg>
+        <pc:spChg chg="add mod">
+          <ac:chgData name="Tom" userId="08c3c7390a66d5b3" providerId="LiveId" clId="{DB1D6124-7F59-40DE-A6B4-742EEE5E6F2F}" dt="2023-01-13T01:37:37.614" v="2551" actId="1037"/>
+          <ac:spMkLst>
+            <pc:docMk/>
+            <pc:sldMk cId="2523442288" sldId="262"/>
+            <ac:spMk id="21" creationId="{A40697FA-2E1F-40AA-7590-FD4619CDCC2C}"/>
+          </ac:spMkLst>
+        </pc:spChg>
+        <pc:spChg chg="mod">
+          <ac:chgData name="Tom" userId="08c3c7390a66d5b3" providerId="LiveId" clId="{DB1D6124-7F59-40DE-A6B4-742EEE5E6F2F}" dt="2023-01-13T01:32:14.233" v="2386"/>
+          <ac:spMkLst>
+            <pc:docMk/>
+            <pc:sldMk cId="2523442288" sldId="262"/>
+            <ac:spMk id="23" creationId="{F2721EDB-0ABE-2C98-ECB0-C540B2720134}"/>
+          </ac:spMkLst>
+        </pc:spChg>
+        <pc:spChg chg="mod">
+          <ac:chgData name="Tom" userId="08c3c7390a66d5b3" providerId="LiveId" clId="{DB1D6124-7F59-40DE-A6B4-742EEE5E6F2F}" dt="2023-01-13T01:32:14.233" v="2386"/>
+          <ac:spMkLst>
+            <pc:docMk/>
+            <pc:sldMk cId="2523442288" sldId="262"/>
+            <ac:spMk id="24" creationId="{BA8238AD-FEF4-D969-45DD-582E6EF30FC0}"/>
+          </ac:spMkLst>
+        </pc:spChg>
+        <pc:spChg chg="mod">
+          <ac:chgData name="Tom" userId="08c3c7390a66d5b3" providerId="LiveId" clId="{DB1D6124-7F59-40DE-A6B4-742EEE5E6F2F}" dt="2023-01-13T01:32:14.233" v="2386"/>
+          <ac:spMkLst>
+            <pc:docMk/>
+            <pc:sldMk cId="2523442288" sldId="262"/>
+            <ac:spMk id="25" creationId="{8F40F313-F048-BD3A-CBA6-1C92FF644E39}"/>
+          </ac:spMkLst>
+        </pc:spChg>
+        <pc:spChg chg="mod">
+          <ac:chgData name="Tom" userId="08c3c7390a66d5b3" providerId="LiveId" clId="{DB1D6124-7F59-40DE-A6B4-742EEE5E6F2F}" dt="2023-01-13T01:32:14.233" v="2386"/>
+          <ac:spMkLst>
+            <pc:docMk/>
+            <pc:sldMk cId="2523442288" sldId="262"/>
+            <ac:spMk id="26" creationId="{5D73F8CF-0E87-0015-D2BD-682633FDF7BB}"/>
+          </ac:spMkLst>
+        </pc:spChg>
+        <pc:spChg chg="add mod">
+          <ac:chgData name="Tom" userId="08c3c7390a66d5b3" providerId="LiveId" clId="{DB1D6124-7F59-40DE-A6B4-742EEE5E6F2F}" dt="2023-01-13T01:36:59.062" v="2524" actId="1035"/>
+          <ac:spMkLst>
+            <pc:docMk/>
+            <pc:sldMk cId="2523442288" sldId="262"/>
+            <ac:spMk id="27" creationId="{EDDCC48F-624D-023C-E913-4014E2844D89}"/>
+          </ac:spMkLst>
+        </pc:spChg>
+        <pc:spChg chg="add mod">
+          <ac:chgData name="Tom" userId="08c3c7390a66d5b3" providerId="LiveId" clId="{DB1D6124-7F59-40DE-A6B4-742EEE5E6F2F}" dt="2023-01-13T01:37:06.233" v="2533" actId="1035"/>
+          <ac:spMkLst>
+            <pc:docMk/>
+            <pc:sldMk cId="2523442288" sldId="262"/>
+            <ac:spMk id="28" creationId="{9A681BEE-C825-5B6F-D163-2CD547A90142}"/>
+          </ac:spMkLst>
+        </pc:spChg>
+        <pc:spChg chg="add del mod">
+          <ac:chgData name="Tom" userId="08c3c7390a66d5b3" providerId="LiveId" clId="{DB1D6124-7F59-40DE-A6B4-742EEE5E6F2F}" dt="2023-01-13T01:34:50.682" v="2414" actId="478"/>
+          <ac:spMkLst>
+            <pc:docMk/>
+            <pc:sldMk cId="2523442288" sldId="262"/>
+            <ac:spMk id="29" creationId="{86FB0257-002D-6A8D-F872-43A0F54EE08F}"/>
+          </ac:spMkLst>
+        </pc:spChg>
+        <pc:spChg chg="mod">
+          <ac:chgData name="Tom" userId="08c3c7390a66d5b3" providerId="LiveId" clId="{DB1D6124-7F59-40DE-A6B4-742EEE5E6F2F}" dt="2023-01-13T01:35:04.086" v="2423" actId="20577"/>
+          <ac:spMkLst>
+            <pc:docMk/>
+            <pc:sldMk cId="2523442288" sldId="262"/>
+            <ac:spMk id="31" creationId="{0A7F8987-DCFA-5C64-B624-497F2C8C7F08}"/>
+          </ac:spMkLst>
+        </pc:spChg>
+        <pc:spChg chg="mod">
+          <ac:chgData name="Tom" userId="08c3c7390a66d5b3" providerId="LiveId" clId="{DB1D6124-7F59-40DE-A6B4-742EEE5E6F2F}" dt="2023-01-13T01:35:39.541" v="2444" actId="14100"/>
+          <ac:spMkLst>
+            <pc:docMk/>
+            <pc:sldMk cId="2523442288" sldId="262"/>
+            <ac:spMk id="32" creationId="{8E5E32C8-EB30-975A-A036-96A415CB1D98}"/>
+          </ac:spMkLst>
+        </pc:spChg>
+        <pc:spChg chg="del mod">
+          <ac:chgData name="Tom" userId="08c3c7390a66d5b3" providerId="LiveId" clId="{DB1D6124-7F59-40DE-A6B4-742EEE5E6F2F}" dt="2023-01-13T01:34:56.910" v="2416" actId="478"/>
+          <ac:spMkLst>
+            <pc:docMk/>
+            <pc:sldMk cId="2523442288" sldId="262"/>
+            <ac:spMk id="33" creationId="{A5857AA2-F961-7FD3-5646-85767D6D767F}"/>
+          </ac:spMkLst>
+        </pc:spChg>
+        <pc:spChg chg="mod">
+          <ac:chgData name="Tom" userId="08c3c7390a66d5b3" providerId="LiveId" clId="{DB1D6124-7F59-40DE-A6B4-742EEE5E6F2F}" dt="2023-01-13T01:36:18.609" v="2456" actId="1036"/>
+          <ac:spMkLst>
+            <pc:docMk/>
+            <pc:sldMk cId="2523442288" sldId="262"/>
+            <ac:spMk id="34" creationId="{82BA6A00-2E49-C457-1CBC-058794009ED1}"/>
+          </ac:spMkLst>
+        </pc:spChg>
+        <pc:grpChg chg="add mod">
+          <ac:chgData name="Tom" userId="08c3c7390a66d5b3" providerId="LiveId" clId="{DB1D6124-7F59-40DE-A6B4-742EEE5E6F2F}" dt="2023-01-13T01:36:06.634" v="2453" actId="1035"/>
+          <ac:grpSpMkLst>
+            <pc:docMk/>
+            <pc:sldMk cId="2523442288" sldId="262"/>
+            <ac:grpSpMk id="9" creationId="{6DDBC819-BB1E-2AEE-55C2-428DF51FA435}"/>
+          </ac:grpSpMkLst>
+        </pc:grpChg>
+        <pc:grpChg chg="add del mod">
+          <ac:chgData name="Tom" userId="08c3c7390a66d5b3" providerId="LiveId" clId="{DB1D6124-7F59-40DE-A6B4-742EEE5E6F2F}" dt="2023-01-13T01:25:15.267" v="2278" actId="165"/>
+          <ac:grpSpMkLst>
+            <pc:docMk/>
+            <pc:sldMk cId="2523442288" sldId="262"/>
+            <ac:grpSpMk id="11" creationId="{741A7F74-50F9-D85C-87C8-AC9B0DB55C8E}"/>
+          </ac:grpSpMkLst>
+        </pc:grpChg>
+        <pc:grpChg chg="add mod">
+          <ac:chgData name="Tom" userId="08c3c7390a66d5b3" providerId="LiveId" clId="{DB1D6124-7F59-40DE-A6B4-742EEE5E6F2F}" dt="2023-01-13T01:37:17.831" v="2535" actId="1076"/>
+          <ac:grpSpMkLst>
+            <pc:docMk/>
+            <pc:sldMk cId="2523442288" sldId="262"/>
+            <ac:grpSpMk id="22" creationId="{539A24B1-5CD6-5117-61B6-51A1EDCF1F23}"/>
+          </ac:grpSpMkLst>
+        </pc:grpChg>
+        <pc:grpChg chg="add mod">
+          <ac:chgData name="Tom" userId="08c3c7390a66d5b3" providerId="LiveId" clId="{DB1D6124-7F59-40DE-A6B4-742EEE5E6F2F}" dt="2023-01-13T01:37:21.999" v="2536" actId="1076"/>
+          <ac:grpSpMkLst>
+            <pc:docMk/>
+            <pc:sldMk cId="2523442288" sldId="262"/>
+            <ac:grpSpMk id="30" creationId="{A90FA07D-0C87-DC95-7AF5-B0F3DC8DBADC}"/>
+          </ac:grpSpMkLst>
+        </pc:grpChg>
       </pc:sldChg>
     </pc:docChg>
   </pc:docChgLst>
@@ -984,7 +1536,7 @@
           <a:p>
             <a:fld id="{0F3E4016-0B1F-47AE-9DB5-2BECA5313565}" type="datetimeFigureOut">
               <a:rPr lang="en-US" smtClean="0"/>
-              <a:t>06-Jan-23</a:t>
+              <a:t>13-Jan-23</a:t>
             </a:fld>
             <a:endParaRPr lang="en-US"/>
           </a:p>
@@ -1182,7 +1734,7 @@
           <a:p>
             <a:fld id="{0F3E4016-0B1F-47AE-9DB5-2BECA5313565}" type="datetimeFigureOut">
               <a:rPr lang="en-US" smtClean="0"/>
-              <a:t>06-Jan-23</a:t>
+              <a:t>13-Jan-23</a:t>
             </a:fld>
             <a:endParaRPr lang="en-US"/>
           </a:p>
@@ -1390,7 +1942,7 @@
           <a:p>
             <a:fld id="{0F3E4016-0B1F-47AE-9DB5-2BECA5313565}" type="datetimeFigureOut">
               <a:rPr lang="en-US" smtClean="0"/>
-              <a:t>06-Jan-23</a:t>
+              <a:t>13-Jan-23</a:t>
             </a:fld>
             <a:endParaRPr lang="en-US"/>
           </a:p>
@@ -1588,7 +2140,7 @@
           <a:p>
             <a:fld id="{0F3E4016-0B1F-47AE-9DB5-2BECA5313565}" type="datetimeFigureOut">
               <a:rPr lang="en-US" smtClean="0"/>
-              <a:t>06-Jan-23</a:t>
+              <a:t>13-Jan-23</a:t>
             </a:fld>
             <a:endParaRPr lang="en-US"/>
           </a:p>
@@ -1863,7 +2415,7 @@
           <a:p>
             <a:fld id="{0F3E4016-0B1F-47AE-9DB5-2BECA5313565}" type="datetimeFigureOut">
               <a:rPr lang="en-US" smtClean="0"/>
-              <a:t>06-Jan-23</a:t>
+              <a:t>13-Jan-23</a:t>
             </a:fld>
             <a:endParaRPr lang="en-US"/>
           </a:p>
@@ -2128,7 +2680,7 @@
           <a:p>
             <a:fld id="{0F3E4016-0B1F-47AE-9DB5-2BECA5313565}" type="datetimeFigureOut">
               <a:rPr lang="en-US" smtClean="0"/>
-              <a:t>06-Jan-23</a:t>
+              <a:t>13-Jan-23</a:t>
             </a:fld>
             <a:endParaRPr lang="en-US"/>
           </a:p>
@@ -2540,7 +3092,7 @@
           <a:p>
             <a:fld id="{0F3E4016-0B1F-47AE-9DB5-2BECA5313565}" type="datetimeFigureOut">
               <a:rPr lang="en-US" smtClean="0"/>
-              <a:t>06-Jan-23</a:t>
+              <a:t>13-Jan-23</a:t>
             </a:fld>
             <a:endParaRPr lang="en-US"/>
           </a:p>
@@ -2681,7 +3233,7 @@
           <a:p>
             <a:fld id="{0F3E4016-0B1F-47AE-9DB5-2BECA5313565}" type="datetimeFigureOut">
               <a:rPr lang="en-US" smtClean="0"/>
-              <a:t>06-Jan-23</a:t>
+              <a:t>13-Jan-23</a:t>
             </a:fld>
             <a:endParaRPr lang="en-US"/>
           </a:p>
@@ -2794,7 +3346,7 @@
           <a:p>
             <a:fld id="{0F3E4016-0B1F-47AE-9DB5-2BECA5313565}" type="datetimeFigureOut">
               <a:rPr lang="en-US" smtClean="0"/>
-              <a:t>06-Jan-23</a:t>
+              <a:t>13-Jan-23</a:t>
             </a:fld>
             <a:endParaRPr lang="en-US"/>
           </a:p>
@@ -3105,7 +3657,7 @@
           <a:p>
             <a:fld id="{0F3E4016-0B1F-47AE-9DB5-2BECA5313565}" type="datetimeFigureOut">
               <a:rPr lang="en-US" smtClean="0"/>
-              <a:t>06-Jan-23</a:t>
+              <a:t>13-Jan-23</a:t>
             </a:fld>
             <a:endParaRPr lang="en-US"/>
           </a:p>
@@ -3393,7 +3945,7 @@
           <a:p>
             <a:fld id="{0F3E4016-0B1F-47AE-9DB5-2BECA5313565}" type="datetimeFigureOut">
               <a:rPr lang="en-US" smtClean="0"/>
-              <a:t>06-Jan-23</a:t>
+              <a:t>13-Jan-23</a:t>
             </a:fld>
             <a:endParaRPr lang="en-US"/>
           </a:p>
@@ -3634,7 +4186,7 @@
           <a:p>
             <a:fld id="{0F3E4016-0B1F-47AE-9DB5-2BECA5313565}" type="datetimeFigureOut">
               <a:rPr lang="en-US" smtClean="0"/>
-              <a:t>06-Jan-23</a:t>
+              <a:t>13-Jan-23</a:t>
             </a:fld>
             <a:endParaRPr lang="en-US"/>
           </a:p>
@@ -7540,6 +8092,2405 @@
 </p:sld>
 </file>
 
+<file path=ppt/slides/slide5.xml><?xml version="1.0" encoding="utf-8"?>
+<p:sld xmlns:a="http://schemas.openxmlformats.org/drawingml/2006/main" xmlns:r="http://schemas.openxmlformats.org/officeDocument/2006/relationships" xmlns:p="http://schemas.openxmlformats.org/presentationml/2006/main">
+  <p:cSld>
+    <p:spTree>
+      <p:nvGrpSpPr>
+        <p:cNvPr id="1" name=""/>
+        <p:cNvGrpSpPr/>
+        <p:nvPr/>
+      </p:nvGrpSpPr>
+      <p:grpSpPr>
+        <a:xfrm>
+          <a:off x="0" y="0"/>
+          <a:ext cx="0" cy="0"/>
+          <a:chOff x="0" y="0"/>
+          <a:chExt cx="0" cy="0"/>
+        </a:xfrm>
+      </p:grpSpPr>
+      <p:sp>
+        <p:nvSpPr>
+          <p:cNvPr id="4" name="Rectangle: Rounded Corners 3">
+            <a:extLst>
+              <a:ext uri="{FF2B5EF4-FFF2-40B4-BE49-F238E27FC236}">
+                <a16:creationId xmlns:a16="http://schemas.microsoft.com/office/drawing/2014/main" id="{6E0E976D-474F-E7B3-28E6-E436FE597284}"/>
+              </a:ext>
+            </a:extLst>
+          </p:cNvPr>
+          <p:cNvSpPr/>
+          <p:nvPr/>
+        </p:nvSpPr>
+        <p:spPr>
+          <a:xfrm>
+            <a:off x="342901" y="263388"/>
+            <a:ext cx="1965049" cy="1208450"/>
+          </a:xfrm>
+          <a:prstGeom prst="roundRect">
+            <a:avLst/>
+          </a:prstGeom>
+          <a:ln w="19050">
+            <a:solidFill>
+              <a:schemeClr val="tx1"/>
+            </a:solidFill>
+          </a:ln>
+        </p:spPr>
+        <p:style>
+          <a:lnRef idx="2">
+            <a:schemeClr val="accent6"/>
+          </a:lnRef>
+          <a:fillRef idx="1">
+            <a:schemeClr val="lt1"/>
+          </a:fillRef>
+          <a:effectRef idx="0">
+            <a:schemeClr val="accent6"/>
+          </a:effectRef>
+          <a:fontRef idx="minor">
+            <a:schemeClr val="dk1"/>
+          </a:fontRef>
+        </p:style>
+        <p:txBody>
+          <a:bodyPr rtlCol="0" anchor="ctr"/>
+          <a:lstStyle/>
+          <a:p>
+            <a:pPr algn="ctr"/>
+            <a:r>
+              <a:rPr lang="en-US"/>
+              <a:t>Labeled data</a:t>
+            </a:r>
+          </a:p>
+        </p:txBody>
+      </p:sp>
+      <p:cxnSp>
+        <p:nvCxnSpPr>
+          <p:cNvPr id="5" name="Straight Arrow Connector 4">
+            <a:extLst>
+              <a:ext uri="{FF2B5EF4-FFF2-40B4-BE49-F238E27FC236}">
+                <a16:creationId xmlns:a16="http://schemas.microsoft.com/office/drawing/2014/main" id="{73B00015-38F1-C854-8345-19F039605979}"/>
+              </a:ext>
+            </a:extLst>
+          </p:cNvPr>
+          <p:cNvCxnSpPr>
+            <a:cxnSpLocks/>
+            <a:stCxn id="4" idx="3"/>
+            <a:endCxn id="10" idx="1"/>
+          </p:cNvCxnSpPr>
+          <p:nvPr/>
+        </p:nvCxnSpPr>
+        <p:spPr>
+          <a:xfrm flipV="1">
+            <a:off x="2307950" y="862644"/>
+            <a:ext cx="2154720" cy="4969"/>
+          </a:xfrm>
+          <a:prstGeom prst="straightConnector1">
+            <a:avLst/>
+          </a:prstGeom>
+          <a:ln w="28575">
+            <a:tailEnd type="triangle"/>
+          </a:ln>
+        </p:spPr>
+        <p:style>
+          <a:lnRef idx="1">
+            <a:schemeClr val="dk1"/>
+          </a:lnRef>
+          <a:fillRef idx="0">
+            <a:schemeClr val="dk1"/>
+          </a:fillRef>
+          <a:effectRef idx="0">
+            <a:schemeClr val="dk1"/>
+          </a:effectRef>
+          <a:fontRef idx="minor">
+            <a:schemeClr val="tx1"/>
+          </a:fontRef>
+        </p:style>
+      </p:cxnSp>
+      <p:sp>
+        <p:nvSpPr>
+          <p:cNvPr id="10" name="Rectangle: Rounded Corners 9">
+            <a:extLst>
+              <a:ext uri="{FF2B5EF4-FFF2-40B4-BE49-F238E27FC236}">
+                <a16:creationId xmlns:a16="http://schemas.microsoft.com/office/drawing/2014/main" id="{F7D16AE2-D62B-1BD6-C0F5-A4117748ED86}"/>
+              </a:ext>
+            </a:extLst>
+          </p:cNvPr>
+          <p:cNvSpPr/>
+          <p:nvPr/>
+        </p:nvSpPr>
+        <p:spPr>
+          <a:xfrm>
+            <a:off x="4462670" y="258419"/>
+            <a:ext cx="2390360" cy="1208450"/>
+          </a:xfrm>
+          <a:prstGeom prst="roundRect">
+            <a:avLst/>
+          </a:prstGeom>
+          <a:ln w="19050">
+            <a:solidFill>
+              <a:schemeClr val="tx1"/>
+            </a:solidFill>
+          </a:ln>
+        </p:spPr>
+        <p:style>
+          <a:lnRef idx="2">
+            <a:schemeClr val="accent6"/>
+          </a:lnRef>
+          <a:fillRef idx="1">
+            <a:schemeClr val="lt1"/>
+          </a:fillRef>
+          <a:effectRef idx="0">
+            <a:schemeClr val="accent6"/>
+          </a:effectRef>
+          <a:fontRef idx="minor">
+            <a:schemeClr val="dk1"/>
+          </a:fontRef>
+        </p:style>
+        <p:txBody>
+          <a:bodyPr rtlCol="0" anchor="ctr"/>
+          <a:lstStyle/>
+          <a:p>
+            <a:pPr algn="ctr"/>
+            <a:r>
+              <a:rPr lang="en-US"/>
+              <a:t>Augmented data</a:t>
+            </a:r>
+          </a:p>
+          <a:p>
+            <a:pPr algn="ctr"/>
+            <a:r>
+              <a:rPr lang="en-US"/>
+              <a:t>(6 classes * 900 images per class)</a:t>
+            </a:r>
+          </a:p>
+        </p:txBody>
+      </p:sp>
+      <p:sp>
+        <p:nvSpPr>
+          <p:cNvPr id="16" name="Rectangle: Rounded Corners 15">
+            <a:extLst>
+              <a:ext uri="{FF2B5EF4-FFF2-40B4-BE49-F238E27FC236}">
+                <a16:creationId xmlns:a16="http://schemas.microsoft.com/office/drawing/2014/main" id="{766217CF-2D0E-A447-5B19-9EF83A74F273}"/>
+              </a:ext>
+            </a:extLst>
+          </p:cNvPr>
+          <p:cNvSpPr/>
+          <p:nvPr/>
+        </p:nvSpPr>
+        <p:spPr>
+          <a:xfrm>
+            <a:off x="412474" y="2529510"/>
+            <a:ext cx="1965049" cy="1208450"/>
+          </a:xfrm>
+          <a:prstGeom prst="roundRect">
+            <a:avLst/>
+          </a:prstGeom>
+          <a:ln w="19050">
+            <a:solidFill>
+              <a:schemeClr val="tx1"/>
+            </a:solidFill>
+          </a:ln>
+        </p:spPr>
+        <p:style>
+          <a:lnRef idx="2">
+            <a:schemeClr val="accent6"/>
+          </a:lnRef>
+          <a:fillRef idx="1">
+            <a:schemeClr val="lt1"/>
+          </a:fillRef>
+          <a:effectRef idx="0">
+            <a:schemeClr val="accent6"/>
+          </a:effectRef>
+          <a:fontRef idx="minor">
+            <a:schemeClr val="dk1"/>
+          </a:fontRef>
+        </p:style>
+        <p:txBody>
+          <a:bodyPr rtlCol="0" anchor="ctr"/>
+          <a:lstStyle/>
+          <a:p>
+            <a:pPr algn="ctr"/>
+            <a:r>
+              <a:rPr lang="en-US"/>
+              <a:t>Pretrained</a:t>
+            </a:r>
+          </a:p>
+          <a:p>
+            <a:pPr algn="ctr"/>
+            <a:r>
+              <a:rPr lang="en-US"/>
+              <a:t>MobileNet V2</a:t>
+            </a:r>
+          </a:p>
+        </p:txBody>
+      </p:sp>
+      <p:sp>
+        <p:nvSpPr>
+          <p:cNvPr id="17" name="Rectangle: Rounded Corners 16">
+            <a:extLst>
+              <a:ext uri="{FF2B5EF4-FFF2-40B4-BE49-F238E27FC236}">
+                <a16:creationId xmlns:a16="http://schemas.microsoft.com/office/drawing/2014/main" id="{F14090E9-26B4-49B6-84E3-268AF71D2CD6}"/>
+              </a:ext>
+            </a:extLst>
+          </p:cNvPr>
+          <p:cNvSpPr/>
+          <p:nvPr/>
+        </p:nvSpPr>
+        <p:spPr>
+          <a:xfrm>
+            <a:off x="4675326" y="2516292"/>
+            <a:ext cx="1965049" cy="1208450"/>
+          </a:xfrm>
+          <a:prstGeom prst="roundRect">
+            <a:avLst/>
+          </a:prstGeom>
+          <a:ln w="19050">
+            <a:solidFill>
+              <a:schemeClr val="tx1"/>
+            </a:solidFill>
+          </a:ln>
+        </p:spPr>
+        <p:style>
+          <a:lnRef idx="2">
+            <a:schemeClr val="accent6"/>
+          </a:lnRef>
+          <a:fillRef idx="1">
+            <a:schemeClr val="lt1"/>
+          </a:fillRef>
+          <a:effectRef idx="0">
+            <a:schemeClr val="accent6"/>
+          </a:effectRef>
+          <a:fontRef idx="minor">
+            <a:schemeClr val="dk1"/>
+          </a:fontRef>
+        </p:style>
+        <p:txBody>
+          <a:bodyPr rtlCol="0" anchor="ctr"/>
+          <a:lstStyle/>
+          <a:p>
+            <a:pPr algn="ctr"/>
+            <a:r>
+              <a:rPr lang="en-US"/>
+              <a:t>My model</a:t>
+            </a:r>
+          </a:p>
+        </p:txBody>
+      </p:sp>
+      <p:cxnSp>
+        <p:nvCxnSpPr>
+          <p:cNvPr id="18" name="Straight Arrow Connector 17">
+            <a:extLst>
+              <a:ext uri="{FF2B5EF4-FFF2-40B4-BE49-F238E27FC236}">
+                <a16:creationId xmlns:a16="http://schemas.microsoft.com/office/drawing/2014/main" id="{4BAC708D-F8E6-D764-AA17-6F234D43985D}"/>
+              </a:ext>
+            </a:extLst>
+          </p:cNvPr>
+          <p:cNvCxnSpPr>
+            <a:cxnSpLocks/>
+            <a:stCxn id="16" idx="3"/>
+            <a:endCxn id="17" idx="1"/>
+          </p:cNvCxnSpPr>
+          <p:nvPr/>
+        </p:nvCxnSpPr>
+        <p:spPr>
+          <a:xfrm flipV="1">
+            <a:off x="2377523" y="3120517"/>
+            <a:ext cx="2297803" cy="13218"/>
+          </a:xfrm>
+          <a:prstGeom prst="straightConnector1">
+            <a:avLst/>
+          </a:prstGeom>
+          <a:ln w="28575">
+            <a:tailEnd type="triangle"/>
+          </a:ln>
+        </p:spPr>
+        <p:style>
+          <a:lnRef idx="1">
+            <a:schemeClr val="dk1"/>
+          </a:lnRef>
+          <a:fillRef idx="0">
+            <a:schemeClr val="dk1"/>
+          </a:fillRef>
+          <a:effectRef idx="0">
+            <a:schemeClr val="dk1"/>
+          </a:effectRef>
+          <a:fontRef idx="minor">
+            <a:schemeClr val="tx1"/>
+          </a:fontRef>
+        </p:style>
+      </p:cxnSp>
+      <p:sp>
+        <p:nvSpPr>
+          <p:cNvPr id="25" name="TextBox 24">
+            <a:extLst>
+              <a:ext uri="{FF2B5EF4-FFF2-40B4-BE49-F238E27FC236}">
+                <a16:creationId xmlns:a16="http://schemas.microsoft.com/office/drawing/2014/main" id="{C1093D99-115E-6EC5-3532-2F70E7D53E1F}"/>
+              </a:ext>
+            </a:extLst>
+          </p:cNvPr>
+          <p:cNvSpPr txBox="1"/>
+          <p:nvPr/>
+        </p:nvSpPr>
+        <p:spPr>
+          <a:xfrm>
+            <a:off x="2218498" y="450413"/>
+            <a:ext cx="2189507" cy="369322"/>
+          </a:xfrm>
+          <a:prstGeom prst="rect">
+            <a:avLst/>
+          </a:prstGeom>
+          <a:noFill/>
+        </p:spPr>
+        <p:txBody>
+          <a:bodyPr wrap="square">
+            <a:spAutoFit/>
+          </a:bodyPr>
+          <a:lstStyle/>
+          <a:p>
+            <a:pPr algn="ctr"/>
+            <a:r>
+              <a:rPr lang="en-US"/>
+              <a:t>Data augmentation</a:t>
+            </a:r>
+          </a:p>
+        </p:txBody>
+      </p:sp>
+      <p:sp>
+        <p:nvSpPr>
+          <p:cNvPr id="28" name="TextBox 27">
+            <a:extLst>
+              <a:ext uri="{FF2B5EF4-FFF2-40B4-BE49-F238E27FC236}">
+                <a16:creationId xmlns:a16="http://schemas.microsoft.com/office/drawing/2014/main" id="{6A1D46B3-BE50-1674-2618-8219B693C652}"/>
+              </a:ext>
+            </a:extLst>
+          </p:cNvPr>
+          <p:cNvSpPr txBox="1"/>
+          <p:nvPr/>
+        </p:nvSpPr>
+        <p:spPr>
+          <a:xfrm>
+            <a:off x="2454549" y="2641915"/>
+            <a:ext cx="2035451" cy="880369"/>
+          </a:xfrm>
+          <a:prstGeom prst="rect">
+            <a:avLst/>
+          </a:prstGeom>
+          <a:noFill/>
+        </p:spPr>
+        <p:txBody>
+          <a:bodyPr wrap="square">
+            <a:spAutoFit/>
+          </a:bodyPr>
+          <a:lstStyle/>
+          <a:p>
+            <a:pPr algn="ctr">
+              <a:lnSpc>
+                <a:spcPct val="150000"/>
+              </a:lnSpc>
+            </a:pPr>
+            <a:r>
+              <a:rPr lang="en-US"/>
+              <a:t>Fine-tuning</a:t>
+            </a:r>
+          </a:p>
+          <a:p>
+            <a:pPr algn="ctr">
+              <a:lnSpc>
+                <a:spcPct val="150000"/>
+              </a:lnSpc>
+            </a:pPr>
+            <a:r>
+              <a:rPr lang="en-US"/>
+              <a:t>Customization</a:t>
+            </a:r>
+          </a:p>
+        </p:txBody>
+      </p:sp>
+      <p:cxnSp>
+        <p:nvCxnSpPr>
+          <p:cNvPr id="31" name="Straight Arrow Connector 30">
+            <a:extLst>
+              <a:ext uri="{FF2B5EF4-FFF2-40B4-BE49-F238E27FC236}">
+                <a16:creationId xmlns:a16="http://schemas.microsoft.com/office/drawing/2014/main" id="{63BA114F-D05E-8B74-2ABA-EE6FBE2633F5}"/>
+              </a:ext>
+            </a:extLst>
+          </p:cNvPr>
+          <p:cNvCxnSpPr>
+            <a:cxnSpLocks/>
+            <a:stCxn id="10" idx="2"/>
+            <a:endCxn id="17" idx="0"/>
+          </p:cNvCxnSpPr>
+          <p:nvPr/>
+        </p:nvCxnSpPr>
+        <p:spPr>
+          <a:xfrm>
+            <a:off x="5657850" y="1466869"/>
+            <a:ext cx="1" cy="1049423"/>
+          </a:xfrm>
+          <a:prstGeom prst="straightConnector1">
+            <a:avLst/>
+          </a:prstGeom>
+          <a:ln w="28575">
+            <a:tailEnd type="triangle"/>
+          </a:ln>
+        </p:spPr>
+        <p:style>
+          <a:lnRef idx="1">
+            <a:schemeClr val="dk1"/>
+          </a:lnRef>
+          <a:fillRef idx="0">
+            <a:schemeClr val="dk1"/>
+          </a:fillRef>
+          <a:effectRef idx="0">
+            <a:schemeClr val="dk1"/>
+          </a:effectRef>
+          <a:fontRef idx="minor">
+            <a:schemeClr val="tx1"/>
+          </a:fontRef>
+        </p:style>
+      </p:cxnSp>
+      <p:cxnSp>
+        <p:nvCxnSpPr>
+          <p:cNvPr id="38" name="Straight Arrow Connector 37">
+            <a:extLst>
+              <a:ext uri="{FF2B5EF4-FFF2-40B4-BE49-F238E27FC236}">
+                <a16:creationId xmlns:a16="http://schemas.microsoft.com/office/drawing/2014/main" id="{F7818F9A-F013-3F59-5AB8-2E374B67A44E}"/>
+              </a:ext>
+            </a:extLst>
+          </p:cNvPr>
+          <p:cNvCxnSpPr>
+            <a:cxnSpLocks/>
+            <a:stCxn id="17" idx="3"/>
+            <a:endCxn id="43" idx="1"/>
+          </p:cNvCxnSpPr>
+          <p:nvPr/>
+        </p:nvCxnSpPr>
+        <p:spPr>
+          <a:xfrm>
+            <a:off x="6640375" y="3120517"/>
+            <a:ext cx="2222846" cy="13218"/>
+          </a:xfrm>
+          <a:prstGeom prst="straightConnector1">
+            <a:avLst/>
+          </a:prstGeom>
+          <a:ln w="28575">
+            <a:tailEnd type="triangle"/>
+          </a:ln>
+        </p:spPr>
+        <p:style>
+          <a:lnRef idx="1">
+            <a:schemeClr val="dk1"/>
+          </a:lnRef>
+          <a:fillRef idx="0">
+            <a:schemeClr val="dk1"/>
+          </a:fillRef>
+          <a:effectRef idx="0">
+            <a:schemeClr val="dk1"/>
+          </a:effectRef>
+          <a:fontRef idx="minor">
+            <a:schemeClr val="tx1"/>
+          </a:fontRef>
+        </p:style>
+      </p:cxnSp>
+      <p:sp>
+        <p:nvSpPr>
+          <p:cNvPr id="43" name="Rectangle: Rounded Corners 42">
+            <a:extLst>
+              <a:ext uri="{FF2B5EF4-FFF2-40B4-BE49-F238E27FC236}">
+                <a16:creationId xmlns:a16="http://schemas.microsoft.com/office/drawing/2014/main" id="{4D77995A-8536-6976-9ED3-A58814037811}"/>
+              </a:ext>
+            </a:extLst>
+          </p:cNvPr>
+          <p:cNvSpPr/>
+          <p:nvPr/>
+        </p:nvSpPr>
+        <p:spPr>
+          <a:xfrm>
+            <a:off x="8863221" y="2529510"/>
+            <a:ext cx="1965049" cy="1208450"/>
+          </a:xfrm>
+          <a:prstGeom prst="roundRect">
+            <a:avLst/>
+          </a:prstGeom>
+          <a:ln w="19050">
+            <a:solidFill>
+              <a:schemeClr val="tx1"/>
+            </a:solidFill>
+          </a:ln>
+        </p:spPr>
+        <p:style>
+          <a:lnRef idx="2">
+            <a:schemeClr val="accent6"/>
+          </a:lnRef>
+          <a:fillRef idx="1">
+            <a:schemeClr val="lt1"/>
+          </a:fillRef>
+          <a:effectRef idx="0">
+            <a:schemeClr val="accent6"/>
+          </a:effectRef>
+          <a:fontRef idx="minor">
+            <a:schemeClr val="dk1"/>
+          </a:fontRef>
+        </p:style>
+        <p:txBody>
+          <a:bodyPr rtlCol="0" anchor="ctr"/>
+          <a:lstStyle/>
+          <a:p>
+            <a:pPr algn="ctr"/>
+            <a:r>
+              <a:rPr lang="en-US"/>
+              <a:t>Trained weight</a:t>
+            </a:r>
+          </a:p>
+        </p:txBody>
+      </p:sp>
+      <p:cxnSp>
+        <p:nvCxnSpPr>
+          <p:cNvPr id="47" name="Straight Connector 46">
+            <a:extLst>
+              <a:ext uri="{FF2B5EF4-FFF2-40B4-BE49-F238E27FC236}">
+                <a16:creationId xmlns:a16="http://schemas.microsoft.com/office/drawing/2014/main" id="{EDE70D0A-4BEA-CB50-9A2F-EE95EEF9C296}"/>
+              </a:ext>
+            </a:extLst>
+          </p:cNvPr>
+          <p:cNvCxnSpPr>
+            <a:cxnSpLocks/>
+          </p:cNvCxnSpPr>
+          <p:nvPr/>
+        </p:nvCxnSpPr>
+        <p:spPr>
+          <a:xfrm flipV="1">
+            <a:off x="342901" y="3947142"/>
+            <a:ext cx="11116916" cy="68268"/>
+          </a:xfrm>
+          <a:prstGeom prst="line">
+            <a:avLst/>
+          </a:prstGeom>
+          <a:ln w="38100">
+            <a:prstDash val="dash"/>
+          </a:ln>
+        </p:spPr>
+        <p:style>
+          <a:lnRef idx="1">
+            <a:schemeClr val="accent1"/>
+          </a:lnRef>
+          <a:fillRef idx="0">
+            <a:schemeClr val="accent1"/>
+          </a:fillRef>
+          <a:effectRef idx="0">
+            <a:schemeClr val="accent1"/>
+          </a:effectRef>
+          <a:fontRef idx="minor">
+            <a:schemeClr val="tx1"/>
+          </a:fontRef>
+        </p:style>
+      </p:cxnSp>
+      <p:sp>
+        <p:nvSpPr>
+          <p:cNvPr id="52" name="Rectangle: Rounded Corners 51">
+            <a:extLst>
+              <a:ext uri="{FF2B5EF4-FFF2-40B4-BE49-F238E27FC236}">
+                <a16:creationId xmlns:a16="http://schemas.microsoft.com/office/drawing/2014/main" id="{77A06DD7-686C-263D-CEBA-FA9092BE4DC1}"/>
+              </a:ext>
+            </a:extLst>
+          </p:cNvPr>
+          <p:cNvSpPr/>
+          <p:nvPr/>
+        </p:nvSpPr>
+        <p:spPr>
+          <a:xfrm>
+            <a:off x="5014699" y="5129060"/>
+            <a:ext cx="1965049" cy="1208450"/>
+          </a:xfrm>
+          <a:prstGeom prst="roundRect">
+            <a:avLst/>
+          </a:prstGeom>
+          <a:ln w="19050">
+            <a:solidFill>
+              <a:schemeClr val="tx1"/>
+            </a:solidFill>
+          </a:ln>
+        </p:spPr>
+        <p:style>
+          <a:lnRef idx="2">
+            <a:schemeClr val="accent6"/>
+          </a:lnRef>
+          <a:fillRef idx="1">
+            <a:schemeClr val="lt1"/>
+          </a:fillRef>
+          <a:effectRef idx="0">
+            <a:schemeClr val="accent6"/>
+          </a:effectRef>
+          <a:fontRef idx="minor">
+            <a:schemeClr val="dk1"/>
+          </a:fontRef>
+        </p:style>
+        <p:txBody>
+          <a:bodyPr rtlCol="0" anchor="ctr"/>
+          <a:lstStyle/>
+          <a:p>
+            <a:pPr algn="ctr"/>
+            <a:r>
+              <a:rPr lang="en-US"/>
+              <a:t>My model</a:t>
+            </a:r>
+          </a:p>
+        </p:txBody>
+      </p:sp>
+      <p:sp>
+        <p:nvSpPr>
+          <p:cNvPr id="53" name="Oval 52">
+            <a:extLst>
+              <a:ext uri="{FF2B5EF4-FFF2-40B4-BE49-F238E27FC236}">
+                <a16:creationId xmlns:a16="http://schemas.microsoft.com/office/drawing/2014/main" id="{D8485D26-F4A1-4282-2987-91466193C649}"/>
+              </a:ext>
+            </a:extLst>
+          </p:cNvPr>
+          <p:cNvSpPr/>
+          <p:nvPr/>
+        </p:nvSpPr>
+        <p:spPr>
+          <a:xfrm>
+            <a:off x="412474" y="5509179"/>
+            <a:ext cx="437322" cy="437322"/>
+          </a:xfrm>
+          <a:prstGeom prst="ellipse">
+            <a:avLst/>
+          </a:prstGeom>
+        </p:spPr>
+        <p:style>
+          <a:lnRef idx="2">
+            <a:schemeClr val="dk1">
+              <a:shade val="50000"/>
+            </a:schemeClr>
+          </a:lnRef>
+          <a:fillRef idx="1">
+            <a:schemeClr val="dk1"/>
+          </a:fillRef>
+          <a:effectRef idx="0">
+            <a:schemeClr val="dk1"/>
+          </a:effectRef>
+          <a:fontRef idx="minor">
+            <a:schemeClr val="lt1"/>
+          </a:fontRef>
+        </p:style>
+        <p:txBody>
+          <a:bodyPr rtlCol="0" anchor="ctr"/>
+          <a:lstStyle/>
+          <a:p>
+            <a:pPr algn="ctr"/>
+            <a:endParaRPr lang="en-US"/>
+          </a:p>
+        </p:txBody>
+      </p:sp>
+      <p:cxnSp>
+        <p:nvCxnSpPr>
+          <p:cNvPr id="54" name="Straight Arrow Connector 53">
+            <a:extLst>
+              <a:ext uri="{FF2B5EF4-FFF2-40B4-BE49-F238E27FC236}">
+                <a16:creationId xmlns:a16="http://schemas.microsoft.com/office/drawing/2014/main" id="{E9F4BEA2-5D35-32F5-CCA5-C41EB72B0A80}"/>
+              </a:ext>
+            </a:extLst>
+          </p:cNvPr>
+          <p:cNvCxnSpPr>
+            <a:cxnSpLocks/>
+            <a:stCxn id="53" idx="6"/>
+            <a:endCxn id="64" idx="1"/>
+          </p:cNvCxnSpPr>
+          <p:nvPr/>
+        </p:nvCxnSpPr>
+        <p:spPr>
+          <a:xfrm>
+            <a:off x="849796" y="5727840"/>
+            <a:ext cx="485568" cy="0"/>
+          </a:xfrm>
+          <a:prstGeom prst="straightConnector1">
+            <a:avLst/>
+          </a:prstGeom>
+          <a:ln w="28575">
+            <a:tailEnd type="triangle"/>
+          </a:ln>
+        </p:spPr>
+        <p:style>
+          <a:lnRef idx="1">
+            <a:schemeClr val="dk1"/>
+          </a:lnRef>
+          <a:fillRef idx="0">
+            <a:schemeClr val="dk1"/>
+          </a:fillRef>
+          <a:effectRef idx="0">
+            <a:schemeClr val="dk1"/>
+          </a:effectRef>
+          <a:fontRef idx="minor">
+            <a:schemeClr val="tx1"/>
+          </a:fontRef>
+        </p:style>
+      </p:cxnSp>
+      <p:cxnSp>
+        <p:nvCxnSpPr>
+          <p:cNvPr id="59" name="Connector: Elbow 58">
+            <a:extLst>
+              <a:ext uri="{FF2B5EF4-FFF2-40B4-BE49-F238E27FC236}">
+                <a16:creationId xmlns:a16="http://schemas.microsoft.com/office/drawing/2014/main" id="{029B14FC-0FA5-A17D-D7C9-DBB9AFB7144A}"/>
+              </a:ext>
+            </a:extLst>
+          </p:cNvPr>
+          <p:cNvCxnSpPr>
+            <a:stCxn id="43" idx="2"/>
+            <a:endCxn id="52" idx="0"/>
+          </p:cNvCxnSpPr>
+          <p:nvPr/>
+        </p:nvCxnSpPr>
+        <p:spPr>
+          <a:xfrm rot="5400000">
+            <a:off x="7225935" y="2509249"/>
+            <a:ext cx="1391100" cy="3848522"/>
+          </a:xfrm>
+          <a:prstGeom prst="bentConnector3">
+            <a:avLst/>
+          </a:prstGeom>
+          <a:ln w="28575">
+            <a:tailEnd type="triangle"/>
+          </a:ln>
+        </p:spPr>
+        <p:style>
+          <a:lnRef idx="1">
+            <a:schemeClr val="accent1"/>
+          </a:lnRef>
+          <a:fillRef idx="0">
+            <a:schemeClr val="accent1"/>
+          </a:fillRef>
+          <a:effectRef idx="0">
+            <a:schemeClr val="accent1"/>
+          </a:effectRef>
+          <a:fontRef idx="minor">
+            <a:schemeClr val="tx1"/>
+          </a:fontRef>
+        </p:style>
+      </p:cxnSp>
+      <p:sp>
+        <p:nvSpPr>
+          <p:cNvPr id="60" name="TextBox 59">
+            <a:extLst>
+              <a:ext uri="{FF2B5EF4-FFF2-40B4-BE49-F238E27FC236}">
+                <a16:creationId xmlns:a16="http://schemas.microsoft.com/office/drawing/2014/main" id="{D5B8A7E4-9BBF-4AAE-53C0-F8A01C61ED62}"/>
+              </a:ext>
+            </a:extLst>
+          </p:cNvPr>
+          <p:cNvSpPr txBox="1"/>
+          <p:nvPr/>
+        </p:nvSpPr>
+        <p:spPr>
+          <a:xfrm>
+            <a:off x="5447159" y="4080946"/>
+            <a:ext cx="4460706" cy="369332"/>
+          </a:xfrm>
+          <a:prstGeom prst="rect">
+            <a:avLst/>
+          </a:prstGeom>
+          <a:noFill/>
+        </p:spPr>
+        <p:txBody>
+          <a:bodyPr wrap="square" rtlCol="0">
+            <a:spAutoFit/>
+          </a:bodyPr>
+          <a:lstStyle/>
+          <a:p>
+            <a:r>
+              <a:rPr lang="en-US"/>
+              <a:t>Save the weight and feed it to the local model</a:t>
+            </a:r>
+          </a:p>
+        </p:txBody>
+      </p:sp>
+      <p:sp>
+        <p:nvSpPr>
+          <p:cNvPr id="61" name="TextBox 60">
+            <a:extLst>
+              <a:ext uri="{FF2B5EF4-FFF2-40B4-BE49-F238E27FC236}">
+                <a16:creationId xmlns:a16="http://schemas.microsoft.com/office/drawing/2014/main" id="{3C6CE6A0-5F4D-EE68-492E-1163F2272D4D}"/>
+              </a:ext>
+            </a:extLst>
+          </p:cNvPr>
+          <p:cNvSpPr txBox="1"/>
+          <p:nvPr/>
+        </p:nvSpPr>
+        <p:spPr>
+          <a:xfrm>
+            <a:off x="6659218" y="2643812"/>
+            <a:ext cx="2199448" cy="880369"/>
+          </a:xfrm>
+          <a:prstGeom prst="rect">
+            <a:avLst/>
+          </a:prstGeom>
+          <a:noFill/>
+        </p:spPr>
+        <p:txBody>
+          <a:bodyPr wrap="square" rtlCol="0">
+            <a:spAutoFit/>
+          </a:bodyPr>
+          <a:lstStyle/>
+          <a:p>
+            <a:pPr algn="ctr">
+              <a:lnSpc>
+                <a:spcPct val="150000"/>
+              </a:lnSpc>
+            </a:pPr>
+            <a:r>
+              <a:rPr lang="en-US"/>
+              <a:t>Train on the augmented dataset</a:t>
+            </a:r>
+          </a:p>
+        </p:txBody>
+      </p:sp>
+      <p:sp>
+        <p:nvSpPr>
+          <p:cNvPr id="64" name="Rectangle: Rounded Corners 63">
+            <a:extLst>
+              <a:ext uri="{FF2B5EF4-FFF2-40B4-BE49-F238E27FC236}">
+                <a16:creationId xmlns:a16="http://schemas.microsoft.com/office/drawing/2014/main" id="{A29C57F2-AE31-AEFC-C5EF-0AC6EDC18AB2}"/>
+              </a:ext>
+            </a:extLst>
+          </p:cNvPr>
+          <p:cNvSpPr/>
+          <p:nvPr/>
+        </p:nvSpPr>
+        <p:spPr>
+          <a:xfrm>
+            <a:off x="1335364" y="5123615"/>
+            <a:ext cx="1773461" cy="1208450"/>
+          </a:xfrm>
+          <a:prstGeom prst="roundRect">
+            <a:avLst/>
+          </a:prstGeom>
+          <a:ln w="19050">
+            <a:solidFill>
+              <a:schemeClr val="tx1"/>
+            </a:solidFill>
+          </a:ln>
+        </p:spPr>
+        <p:style>
+          <a:lnRef idx="2">
+            <a:schemeClr val="accent6"/>
+          </a:lnRef>
+          <a:fillRef idx="1">
+            <a:schemeClr val="lt1"/>
+          </a:fillRef>
+          <a:effectRef idx="0">
+            <a:schemeClr val="accent6"/>
+          </a:effectRef>
+          <a:fontRef idx="minor">
+            <a:schemeClr val="dk1"/>
+          </a:fontRef>
+        </p:style>
+        <p:txBody>
+          <a:bodyPr rtlCol="0" anchor="ctr"/>
+          <a:lstStyle/>
+          <a:p>
+            <a:pPr algn="ctr"/>
+            <a:r>
+              <a:rPr lang="en-US"/>
+              <a:t>Choose a demo image using UI</a:t>
+            </a:r>
+          </a:p>
+        </p:txBody>
+      </p:sp>
+      <p:cxnSp>
+        <p:nvCxnSpPr>
+          <p:cNvPr id="69" name="Straight Arrow Connector 68">
+            <a:extLst>
+              <a:ext uri="{FF2B5EF4-FFF2-40B4-BE49-F238E27FC236}">
+                <a16:creationId xmlns:a16="http://schemas.microsoft.com/office/drawing/2014/main" id="{04740A69-2D70-C36D-6ACA-9D9FE451F467}"/>
+              </a:ext>
+            </a:extLst>
+          </p:cNvPr>
+          <p:cNvCxnSpPr>
+            <a:cxnSpLocks/>
+            <a:stCxn id="64" idx="3"/>
+            <a:endCxn id="52" idx="1"/>
+          </p:cNvCxnSpPr>
+          <p:nvPr/>
+        </p:nvCxnSpPr>
+        <p:spPr>
+          <a:xfrm>
+            <a:off x="3108825" y="5727840"/>
+            <a:ext cx="1905874" cy="5445"/>
+          </a:xfrm>
+          <a:prstGeom prst="straightConnector1">
+            <a:avLst/>
+          </a:prstGeom>
+          <a:ln w="28575">
+            <a:tailEnd type="triangle"/>
+          </a:ln>
+        </p:spPr>
+        <p:style>
+          <a:lnRef idx="1">
+            <a:schemeClr val="dk1"/>
+          </a:lnRef>
+          <a:fillRef idx="0">
+            <a:schemeClr val="dk1"/>
+          </a:fillRef>
+          <a:effectRef idx="0">
+            <a:schemeClr val="dk1"/>
+          </a:effectRef>
+          <a:fontRef idx="minor">
+            <a:schemeClr val="tx1"/>
+          </a:fontRef>
+        </p:style>
+      </p:cxnSp>
+      <p:sp>
+        <p:nvSpPr>
+          <p:cNvPr id="72" name="TextBox 71">
+            <a:extLst>
+              <a:ext uri="{FF2B5EF4-FFF2-40B4-BE49-F238E27FC236}">
+                <a16:creationId xmlns:a16="http://schemas.microsoft.com/office/drawing/2014/main" id="{82D75A1E-2DF9-7DC3-C61C-1D307028C272}"/>
+              </a:ext>
+            </a:extLst>
+          </p:cNvPr>
+          <p:cNvSpPr txBox="1"/>
+          <p:nvPr/>
+        </p:nvSpPr>
+        <p:spPr>
+          <a:xfrm>
+            <a:off x="3091339" y="5229669"/>
+            <a:ext cx="1965049" cy="880369"/>
+          </a:xfrm>
+          <a:prstGeom prst="rect">
+            <a:avLst/>
+          </a:prstGeom>
+          <a:noFill/>
+        </p:spPr>
+        <p:txBody>
+          <a:bodyPr wrap="square">
+            <a:spAutoFit/>
+          </a:bodyPr>
+          <a:lstStyle/>
+          <a:p>
+            <a:pPr algn="ctr">
+              <a:lnSpc>
+                <a:spcPct val="150000"/>
+              </a:lnSpc>
+            </a:pPr>
+            <a:r>
+              <a:rPr lang="en-US"/>
+              <a:t>Pass the image through the model</a:t>
+            </a:r>
+          </a:p>
+        </p:txBody>
+      </p:sp>
+      <p:sp>
+        <p:nvSpPr>
+          <p:cNvPr id="75" name="Rectangle: Rounded Corners 74">
+            <a:extLst>
+              <a:ext uri="{FF2B5EF4-FFF2-40B4-BE49-F238E27FC236}">
+                <a16:creationId xmlns:a16="http://schemas.microsoft.com/office/drawing/2014/main" id="{82C5D76B-3866-A167-6049-192F764588BC}"/>
+              </a:ext>
+            </a:extLst>
+          </p:cNvPr>
+          <p:cNvSpPr/>
+          <p:nvPr/>
+        </p:nvSpPr>
+        <p:spPr>
+          <a:xfrm>
+            <a:off x="8496184" y="5132637"/>
+            <a:ext cx="2107054" cy="1208450"/>
+          </a:xfrm>
+          <a:prstGeom prst="roundRect">
+            <a:avLst/>
+          </a:prstGeom>
+          <a:ln w="19050">
+            <a:solidFill>
+              <a:schemeClr val="tx1"/>
+            </a:solidFill>
+          </a:ln>
+        </p:spPr>
+        <p:style>
+          <a:lnRef idx="2">
+            <a:schemeClr val="accent6"/>
+          </a:lnRef>
+          <a:fillRef idx="1">
+            <a:schemeClr val="lt1"/>
+          </a:fillRef>
+          <a:effectRef idx="0">
+            <a:schemeClr val="accent6"/>
+          </a:effectRef>
+          <a:fontRef idx="minor">
+            <a:schemeClr val="dk1"/>
+          </a:fontRef>
+        </p:style>
+        <p:txBody>
+          <a:bodyPr rtlCol="0" anchor="ctr"/>
+          <a:lstStyle/>
+          <a:p>
+            <a:pPr algn="ctr"/>
+            <a:r>
+              <a:rPr lang="en-US"/>
+              <a:t>Output: predicted category of waste.</a:t>
+            </a:r>
+          </a:p>
+        </p:txBody>
+      </p:sp>
+      <p:cxnSp>
+        <p:nvCxnSpPr>
+          <p:cNvPr id="76" name="Straight Arrow Connector 75">
+            <a:extLst>
+              <a:ext uri="{FF2B5EF4-FFF2-40B4-BE49-F238E27FC236}">
+                <a16:creationId xmlns:a16="http://schemas.microsoft.com/office/drawing/2014/main" id="{FD7E90C4-6B06-CEF0-86F7-114565469DF9}"/>
+              </a:ext>
+            </a:extLst>
+          </p:cNvPr>
+          <p:cNvCxnSpPr>
+            <a:cxnSpLocks/>
+            <a:stCxn id="52" idx="3"/>
+            <a:endCxn id="75" idx="1"/>
+          </p:cNvCxnSpPr>
+          <p:nvPr/>
+        </p:nvCxnSpPr>
+        <p:spPr>
+          <a:xfrm>
+            <a:off x="6979748" y="5733285"/>
+            <a:ext cx="1516436" cy="3577"/>
+          </a:xfrm>
+          <a:prstGeom prst="straightConnector1">
+            <a:avLst/>
+          </a:prstGeom>
+          <a:ln w="28575">
+            <a:tailEnd type="triangle"/>
+          </a:ln>
+        </p:spPr>
+        <p:style>
+          <a:lnRef idx="1">
+            <a:schemeClr val="dk1"/>
+          </a:lnRef>
+          <a:fillRef idx="0">
+            <a:schemeClr val="dk1"/>
+          </a:fillRef>
+          <a:effectRef idx="0">
+            <a:schemeClr val="dk1"/>
+          </a:effectRef>
+          <a:fontRef idx="minor">
+            <a:schemeClr val="tx1"/>
+          </a:fontRef>
+        </p:style>
+      </p:cxnSp>
+      <p:sp>
+        <p:nvSpPr>
+          <p:cNvPr id="82" name="Oval 81">
+            <a:extLst>
+              <a:ext uri="{FF2B5EF4-FFF2-40B4-BE49-F238E27FC236}">
+                <a16:creationId xmlns:a16="http://schemas.microsoft.com/office/drawing/2014/main" id="{865CAFC4-8682-7E77-1597-14BDDC350F43}"/>
+              </a:ext>
+            </a:extLst>
+          </p:cNvPr>
+          <p:cNvSpPr/>
+          <p:nvPr/>
+        </p:nvSpPr>
+        <p:spPr>
+          <a:xfrm>
+            <a:off x="11123543" y="5530746"/>
+            <a:ext cx="437322" cy="437322"/>
+          </a:xfrm>
+          <a:prstGeom prst="ellipse">
+            <a:avLst/>
+          </a:prstGeom>
+        </p:spPr>
+        <p:style>
+          <a:lnRef idx="2">
+            <a:schemeClr val="dk1">
+              <a:shade val="50000"/>
+            </a:schemeClr>
+          </a:lnRef>
+          <a:fillRef idx="1">
+            <a:schemeClr val="dk1"/>
+          </a:fillRef>
+          <a:effectRef idx="0">
+            <a:schemeClr val="dk1"/>
+          </a:effectRef>
+          <a:fontRef idx="minor">
+            <a:schemeClr val="lt1"/>
+          </a:fontRef>
+        </p:style>
+        <p:txBody>
+          <a:bodyPr rtlCol="0" anchor="ctr"/>
+          <a:lstStyle/>
+          <a:p>
+            <a:pPr algn="ctr"/>
+            <a:endParaRPr lang="en-US"/>
+          </a:p>
+        </p:txBody>
+      </p:sp>
+      <p:cxnSp>
+        <p:nvCxnSpPr>
+          <p:cNvPr id="83" name="Straight Arrow Connector 82">
+            <a:extLst>
+              <a:ext uri="{FF2B5EF4-FFF2-40B4-BE49-F238E27FC236}">
+                <a16:creationId xmlns:a16="http://schemas.microsoft.com/office/drawing/2014/main" id="{6901B586-0654-EA38-5268-F668458D325F}"/>
+              </a:ext>
+            </a:extLst>
+          </p:cNvPr>
+          <p:cNvCxnSpPr>
+            <a:cxnSpLocks/>
+            <a:stCxn id="75" idx="3"/>
+            <a:endCxn id="82" idx="2"/>
+          </p:cNvCxnSpPr>
+          <p:nvPr/>
+        </p:nvCxnSpPr>
+        <p:spPr>
+          <a:xfrm>
+            <a:off x="10603238" y="5736862"/>
+            <a:ext cx="520305" cy="12545"/>
+          </a:xfrm>
+          <a:prstGeom prst="straightConnector1">
+            <a:avLst/>
+          </a:prstGeom>
+          <a:ln w="28575">
+            <a:tailEnd type="triangle"/>
+          </a:ln>
+        </p:spPr>
+        <p:style>
+          <a:lnRef idx="1">
+            <a:schemeClr val="dk1"/>
+          </a:lnRef>
+          <a:fillRef idx="0">
+            <a:schemeClr val="dk1"/>
+          </a:fillRef>
+          <a:effectRef idx="0">
+            <a:schemeClr val="dk1"/>
+          </a:effectRef>
+          <a:fontRef idx="minor">
+            <a:schemeClr val="tx1"/>
+          </a:fontRef>
+        </p:style>
+      </p:cxnSp>
+      <p:sp>
+        <p:nvSpPr>
+          <p:cNvPr id="86" name="TextBox 85">
+            <a:extLst>
+              <a:ext uri="{FF2B5EF4-FFF2-40B4-BE49-F238E27FC236}">
+                <a16:creationId xmlns:a16="http://schemas.microsoft.com/office/drawing/2014/main" id="{508EF2D7-6807-FBAF-201C-E432FD09FB18}"/>
+              </a:ext>
+            </a:extLst>
+          </p:cNvPr>
+          <p:cNvSpPr txBox="1"/>
+          <p:nvPr/>
+        </p:nvSpPr>
+        <p:spPr>
+          <a:xfrm>
+            <a:off x="-239897" y="4966028"/>
+            <a:ext cx="1761941" cy="464871"/>
+          </a:xfrm>
+          <a:prstGeom prst="rect">
+            <a:avLst/>
+          </a:prstGeom>
+          <a:noFill/>
+        </p:spPr>
+        <p:txBody>
+          <a:bodyPr wrap="square">
+            <a:spAutoFit/>
+          </a:bodyPr>
+          <a:lstStyle/>
+          <a:p>
+            <a:pPr algn="ctr">
+              <a:lnSpc>
+                <a:spcPct val="150000"/>
+              </a:lnSpc>
+            </a:pPr>
+            <a:r>
+              <a:rPr lang="en-US"/>
+              <a:t>User start</a:t>
+            </a:r>
+          </a:p>
+        </p:txBody>
+      </p:sp>
+      <p:sp>
+        <p:nvSpPr>
+          <p:cNvPr id="87" name="TextBox 86">
+            <a:extLst>
+              <a:ext uri="{FF2B5EF4-FFF2-40B4-BE49-F238E27FC236}">
+                <a16:creationId xmlns:a16="http://schemas.microsoft.com/office/drawing/2014/main" id="{5FF81890-EC9C-3827-42B1-FCEC39704CD7}"/>
+              </a:ext>
+            </a:extLst>
+          </p:cNvPr>
+          <p:cNvSpPr txBox="1"/>
+          <p:nvPr/>
+        </p:nvSpPr>
+        <p:spPr>
+          <a:xfrm>
+            <a:off x="10461233" y="4828270"/>
+            <a:ext cx="1761941" cy="464871"/>
+          </a:xfrm>
+          <a:prstGeom prst="rect">
+            <a:avLst/>
+          </a:prstGeom>
+          <a:noFill/>
+        </p:spPr>
+        <p:txBody>
+          <a:bodyPr wrap="square">
+            <a:spAutoFit/>
+          </a:bodyPr>
+          <a:lstStyle/>
+          <a:p>
+            <a:pPr algn="ctr">
+              <a:lnSpc>
+                <a:spcPct val="150000"/>
+              </a:lnSpc>
+            </a:pPr>
+            <a:r>
+              <a:rPr lang="en-US"/>
+              <a:t>End</a:t>
+            </a:r>
+          </a:p>
+        </p:txBody>
+      </p:sp>
+      <p:sp>
+        <p:nvSpPr>
+          <p:cNvPr id="100" name="TextBox 99">
+            <a:extLst>
+              <a:ext uri="{FF2B5EF4-FFF2-40B4-BE49-F238E27FC236}">
+                <a16:creationId xmlns:a16="http://schemas.microsoft.com/office/drawing/2014/main" id="{043370E0-EBD1-1FC2-4F73-EEB8BBA12278}"/>
+              </a:ext>
+            </a:extLst>
+          </p:cNvPr>
+          <p:cNvSpPr txBox="1"/>
+          <p:nvPr/>
+        </p:nvSpPr>
+        <p:spPr>
+          <a:xfrm>
+            <a:off x="7028204" y="5262856"/>
+            <a:ext cx="1379767" cy="880369"/>
+          </a:xfrm>
+          <a:prstGeom prst="rect">
+            <a:avLst/>
+          </a:prstGeom>
+          <a:noFill/>
+        </p:spPr>
+        <p:txBody>
+          <a:bodyPr wrap="square" rtlCol="0">
+            <a:spAutoFit/>
+          </a:bodyPr>
+          <a:lstStyle/>
+          <a:p>
+            <a:pPr algn="ctr">
+              <a:lnSpc>
+                <a:spcPct val="150000"/>
+              </a:lnSpc>
+            </a:pPr>
+            <a:r>
+              <a:rPr lang="en-US"/>
+              <a:t>Perform classification</a:t>
+            </a:r>
+          </a:p>
+        </p:txBody>
+      </p:sp>
+    </p:spTree>
+    <p:extLst>
+      <p:ext uri="{BB962C8B-B14F-4D97-AF65-F5344CB8AC3E}">
+        <p14:creationId xmlns:p14="http://schemas.microsoft.com/office/powerpoint/2010/main" val="2715119763"/>
+      </p:ext>
+    </p:extLst>
+  </p:cSld>
+  <p:clrMapOvr>
+    <a:masterClrMapping/>
+  </p:clrMapOvr>
+</p:sld>
+</file>
+
+<file path=ppt/slides/slide6.xml><?xml version="1.0" encoding="utf-8"?>
+<p:sld xmlns:a="http://schemas.openxmlformats.org/drawingml/2006/main" xmlns:r="http://schemas.openxmlformats.org/officeDocument/2006/relationships" xmlns:p="http://schemas.openxmlformats.org/presentationml/2006/main">
+  <p:cSld>
+    <p:spTree>
+      <p:nvGrpSpPr>
+        <p:cNvPr id="1" name=""/>
+        <p:cNvGrpSpPr/>
+        <p:nvPr/>
+      </p:nvGrpSpPr>
+      <p:grpSpPr>
+        <a:xfrm>
+          <a:off x="0" y="0"/>
+          <a:ext cx="0" cy="0"/>
+          <a:chOff x="0" y="0"/>
+          <a:chExt cx="0" cy="0"/>
+        </a:xfrm>
+      </p:grpSpPr>
+      <p:grpSp>
+        <p:nvGrpSpPr>
+          <p:cNvPr id="9" name="Group 8">
+            <a:extLst>
+              <a:ext uri="{FF2B5EF4-FFF2-40B4-BE49-F238E27FC236}">
+                <a16:creationId xmlns:a16="http://schemas.microsoft.com/office/drawing/2014/main" id="{6DDBC819-BB1E-2AEE-55C2-428DF51FA435}"/>
+              </a:ext>
+            </a:extLst>
+          </p:cNvPr>
+          <p:cNvGrpSpPr/>
+          <p:nvPr/>
+        </p:nvGrpSpPr>
+        <p:grpSpPr>
+          <a:xfrm>
+            <a:off x="402533" y="54666"/>
+            <a:ext cx="1759227" cy="1287117"/>
+            <a:chOff x="402533" y="94422"/>
+            <a:chExt cx="1759227" cy="1287117"/>
+          </a:xfrm>
+        </p:grpSpPr>
+        <p:sp>
+          <p:nvSpPr>
+            <p:cNvPr id="4" name="Rectangle: Rounded Corners 3">
+              <a:extLst>
+                <a:ext uri="{FF2B5EF4-FFF2-40B4-BE49-F238E27FC236}">
+                  <a16:creationId xmlns:a16="http://schemas.microsoft.com/office/drawing/2014/main" id="{658E8095-C987-5DC5-4F98-5CEF908BBB3E}"/>
+                </a:ext>
+              </a:extLst>
+            </p:cNvPr>
+            <p:cNvSpPr/>
+            <p:nvPr/>
+          </p:nvSpPr>
+          <p:spPr>
+            <a:xfrm>
+              <a:off x="516835" y="238539"/>
+              <a:ext cx="1530626" cy="278296"/>
+            </a:xfrm>
+            <a:prstGeom prst="roundRect">
+              <a:avLst/>
+            </a:prstGeom>
+            <a:noFill/>
+            <a:ln>
+              <a:solidFill>
+                <a:schemeClr val="tx1"/>
+              </a:solidFill>
+            </a:ln>
+          </p:spPr>
+          <p:style>
+            <a:lnRef idx="2">
+              <a:schemeClr val="accent1">
+                <a:shade val="50000"/>
+              </a:schemeClr>
+            </a:lnRef>
+            <a:fillRef idx="1">
+              <a:schemeClr val="accent1"/>
+            </a:fillRef>
+            <a:effectRef idx="0">
+              <a:schemeClr val="accent1"/>
+            </a:effectRef>
+            <a:fontRef idx="minor">
+              <a:schemeClr val="lt1"/>
+            </a:fontRef>
+          </p:style>
+          <p:txBody>
+            <a:bodyPr rtlCol="0" anchor="ctr"/>
+            <a:lstStyle/>
+            <a:p>
+              <a:pPr algn="ctr"/>
+              <a:r>
+                <a:rPr lang="en-US">
+                  <a:solidFill>
+                    <a:schemeClr val="tx1"/>
+                  </a:solidFill>
+                </a:rPr>
+                <a:t>conv2d</a:t>
+              </a:r>
+            </a:p>
+          </p:txBody>
+        </p:sp>
+        <p:sp>
+          <p:nvSpPr>
+            <p:cNvPr id="5" name="Rectangle: Rounded Corners 4">
+              <a:extLst>
+                <a:ext uri="{FF2B5EF4-FFF2-40B4-BE49-F238E27FC236}">
+                  <a16:creationId xmlns:a16="http://schemas.microsoft.com/office/drawing/2014/main" id="{2D6FCD93-65D7-C04B-B7E5-1D6C69CA31B3}"/>
+                </a:ext>
+              </a:extLst>
+            </p:cNvPr>
+            <p:cNvSpPr/>
+            <p:nvPr/>
+          </p:nvSpPr>
+          <p:spPr>
+            <a:xfrm>
+              <a:off x="516834" y="596348"/>
+              <a:ext cx="1530627" cy="278296"/>
+            </a:xfrm>
+            <a:prstGeom prst="roundRect">
+              <a:avLst/>
+            </a:prstGeom>
+            <a:noFill/>
+            <a:ln>
+              <a:solidFill>
+                <a:schemeClr val="tx1"/>
+              </a:solidFill>
+            </a:ln>
+          </p:spPr>
+          <p:style>
+            <a:lnRef idx="2">
+              <a:schemeClr val="accent1">
+                <a:shade val="50000"/>
+              </a:schemeClr>
+            </a:lnRef>
+            <a:fillRef idx="1">
+              <a:schemeClr val="accent1"/>
+            </a:fillRef>
+            <a:effectRef idx="0">
+              <a:schemeClr val="accent1"/>
+            </a:effectRef>
+            <a:fontRef idx="minor">
+              <a:schemeClr val="lt1"/>
+            </a:fontRef>
+          </p:style>
+          <p:txBody>
+            <a:bodyPr rtlCol="0" anchor="ctr"/>
+            <a:lstStyle/>
+            <a:p>
+              <a:pPr algn="ctr"/>
+              <a:r>
+                <a:rPr lang="en-US">
+                  <a:solidFill>
+                    <a:schemeClr val="tx1"/>
+                  </a:solidFill>
+                </a:rPr>
+                <a:t>batchnorm2d</a:t>
+              </a:r>
+            </a:p>
+          </p:txBody>
+        </p:sp>
+        <p:sp>
+          <p:nvSpPr>
+            <p:cNvPr id="7" name="Rectangle: Rounded Corners 6">
+              <a:extLst>
+                <a:ext uri="{FF2B5EF4-FFF2-40B4-BE49-F238E27FC236}">
+                  <a16:creationId xmlns:a16="http://schemas.microsoft.com/office/drawing/2014/main" id="{78B06A27-1C35-6CF0-B3B0-29E657E75EFF}"/>
+                </a:ext>
+              </a:extLst>
+            </p:cNvPr>
+            <p:cNvSpPr/>
+            <p:nvPr/>
+          </p:nvSpPr>
+          <p:spPr>
+            <a:xfrm>
+              <a:off x="516834" y="954157"/>
+              <a:ext cx="1530627" cy="278296"/>
+            </a:xfrm>
+            <a:prstGeom prst="roundRect">
+              <a:avLst/>
+            </a:prstGeom>
+            <a:noFill/>
+            <a:ln>
+              <a:solidFill>
+                <a:schemeClr val="tx1"/>
+              </a:solidFill>
+            </a:ln>
+          </p:spPr>
+          <p:style>
+            <a:lnRef idx="2">
+              <a:schemeClr val="accent1">
+                <a:shade val="50000"/>
+              </a:schemeClr>
+            </a:lnRef>
+            <a:fillRef idx="1">
+              <a:schemeClr val="accent1"/>
+            </a:fillRef>
+            <a:effectRef idx="0">
+              <a:schemeClr val="accent1"/>
+            </a:effectRef>
+            <a:fontRef idx="minor">
+              <a:schemeClr val="lt1"/>
+            </a:fontRef>
+          </p:style>
+          <p:txBody>
+            <a:bodyPr rtlCol="0" anchor="ctr"/>
+            <a:lstStyle/>
+            <a:p>
+              <a:pPr algn="ctr"/>
+              <a:r>
+                <a:rPr lang="en-US">
+                  <a:solidFill>
+                    <a:schemeClr val="tx1"/>
+                  </a:solidFill>
+                </a:rPr>
+                <a:t>ReLU6</a:t>
+              </a:r>
+            </a:p>
+          </p:txBody>
+        </p:sp>
+        <p:sp>
+          <p:nvSpPr>
+            <p:cNvPr id="8" name="Rectangle: Rounded Corners 7">
+              <a:extLst>
+                <a:ext uri="{FF2B5EF4-FFF2-40B4-BE49-F238E27FC236}">
+                  <a16:creationId xmlns:a16="http://schemas.microsoft.com/office/drawing/2014/main" id="{84612132-E9B6-ADA5-65D7-83B3BCDDFD94}"/>
+                </a:ext>
+              </a:extLst>
+            </p:cNvPr>
+            <p:cNvSpPr/>
+            <p:nvPr/>
+          </p:nvSpPr>
+          <p:spPr>
+            <a:xfrm>
+              <a:off x="402533" y="94422"/>
+              <a:ext cx="1759227" cy="1287117"/>
+            </a:xfrm>
+            <a:prstGeom prst="roundRect">
+              <a:avLst/>
+            </a:prstGeom>
+            <a:noFill/>
+            <a:ln>
+              <a:solidFill>
+                <a:schemeClr val="tx1"/>
+              </a:solidFill>
+            </a:ln>
+          </p:spPr>
+          <p:style>
+            <a:lnRef idx="2">
+              <a:schemeClr val="accent1">
+                <a:shade val="50000"/>
+              </a:schemeClr>
+            </a:lnRef>
+            <a:fillRef idx="1">
+              <a:schemeClr val="accent1"/>
+            </a:fillRef>
+            <a:effectRef idx="0">
+              <a:schemeClr val="accent1"/>
+            </a:effectRef>
+            <a:fontRef idx="minor">
+              <a:schemeClr val="lt1"/>
+            </a:fontRef>
+          </p:style>
+          <p:txBody>
+            <a:bodyPr rtlCol="0" anchor="ctr"/>
+            <a:lstStyle/>
+            <a:p>
+              <a:pPr algn="ctr"/>
+              <a:endParaRPr lang="en-US">
+                <a:solidFill>
+                  <a:schemeClr val="tx1"/>
+                </a:solidFill>
+              </a:endParaRPr>
+            </a:p>
+          </p:txBody>
+        </p:sp>
+      </p:grpSp>
+      <p:sp>
+        <p:nvSpPr>
+          <p:cNvPr id="15" name="Rectangle: Rounded Corners 14">
+            <a:extLst>
+              <a:ext uri="{FF2B5EF4-FFF2-40B4-BE49-F238E27FC236}">
+                <a16:creationId xmlns:a16="http://schemas.microsoft.com/office/drawing/2014/main" id="{DC6136E3-2A3B-3E2B-CECB-BAF950397054}"/>
+              </a:ext>
+            </a:extLst>
+          </p:cNvPr>
+          <p:cNvSpPr/>
+          <p:nvPr/>
+        </p:nvSpPr>
+        <p:spPr>
+          <a:xfrm>
+            <a:off x="402533" y="1485900"/>
+            <a:ext cx="1759227" cy="566531"/>
+          </a:xfrm>
+          <a:prstGeom prst="roundRect">
+            <a:avLst/>
+          </a:prstGeom>
+          <a:noFill/>
+          <a:ln>
+            <a:solidFill>
+              <a:schemeClr val="tx1"/>
+            </a:solidFill>
+          </a:ln>
+        </p:spPr>
+        <p:style>
+          <a:lnRef idx="2">
+            <a:schemeClr val="accent1">
+              <a:shade val="50000"/>
+            </a:schemeClr>
+          </a:lnRef>
+          <a:fillRef idx="1">
+            <a:schemeClr val="accent1"/>
+          </a:fillRef>
+          <a:effectRef idx="0">
+            <a:schemeClr val="accent1"/>
+          </a:effectRef>
+          <a:fontRef idx="minor">
+            <a:schemeClr val="lt1"/>
+          </a:fontRef>
+        </p:style>
+        <p:txBody>
+          <a:bodyPr rtlCol="0" anchor="ctr"/>
+          <a:lstStyle/>
+          <a:p>
+            <a:pPr algn="ctr"/>
+            <a:r>
+              <a:rPr lang="en-US">
+                <a:solidFill>
+                  <a:schemeClr val="tx1"/>
+                </a:solidFill>
+              </a:rPr>
+              <a:t>Inverted residual</a:t>
+            </a:r>
+          </a:p>
+        </p:txBody>
+      </p:sp>
+      <p:sp>
+        <p:nvSpPr>
+          <p:cNvPr id="17" name="Rectangle: Rounded Corners 16">
+            <a:extLst>
+              <a:ext uri="{FF2B5EF4-FFF2-40B4-BE49-F238E27FC236}">
+                <a16:creationId xmlns:a16="http://schemas.microsoft.com/office/drawing/2014/main" id="{810CF49E-B496-378C-0ED7-BCEBEB014ECB}"/>
+              </a:ext>
+            </a:extLst>
+          </p:cNvPr>
+          <p:cNvSpPr/>
+          <p:nvPr/>
+        </p:nvSpPr>
+        <p:spPr>
+          <a:xfrm>
+            <a:off x="402532" y="2196548"/>
+            <a:ext cx="1759227" cy="566531"/>
+          </a:xfrm>
+          <a:prstGeom prst="roundRect">
+            <a:avLst/>
+          </a:prstGeom>
+          <a:noFill/>
+          <a:ln>
+            <a:solidFill>
+              <a:schemeClr val="tx1"/>
+            </a:solidFill>
+          </a:ln>
+        </p:spPr>
+        <p:style>
+          <a:lnRef idx="2">
+            <a:schemeClr val="accent1">
+              <a:shade val="50000"/>
+            </a:schemeClr>
+          </a:lnRef>
+          <a:fillRef idx="1">
+            <a:schemeClr val="accent1"/>
+          </a:fillRef>
+          <a:effectRef idx="0">
+            <a:schemeClr val="accent1"/>
+          </a:effectRef>
+          <a:fontRef idx="minor">
+            <a:schemeClr val="lt1"/>
+          </a:fontRef>
+        </p:style>
+        <p:txBody>
+          <a:bodyPr rtlCol="0" anchor="ctr"/>
+          <a:lstStyle/>
+          <a:p>
+            <a:pPr algn="ctr"/>
+            <a:r>
+              <a:rPr lang="en-US">
+                <a:solidFill>
+                  <a:schemeClr val="tx1"/>
+                </a:solidFill>
+              </a:rPr>
+              <a:t>Inverted residual</a:t>
+            </a:r>
+          </a:p>
+        </p:txBody>
+      </p:sp>
+      <p:sp>
+        <p:nvSpPr>
+          <p:cNvPr id="18" name="TextBox 17">
+            <a:extLst>
+              <a:ext uri="{FF2B5EF4-FFF2-40B4-BE49-F238E27FC236}">
+                <a16:creationId xmlns:a16="http://schemas.microsoft.com/office/drawing/2014/main" id="{61A2EB42-2AE0-C5CF-9709-8722DD7337E0}"/>
+              </a:ext>
+            </a:extLst>
+          </p:cNvPr>
+          <p:cNvSpPr txBox="1"/>
+          <p:nvPr/>
+        </p:nvSpPr>
+        <p:spPr>
+          <a:xfrm>
+            <a:off x="1088332" y="2487278"/>
+            <a:ext cx="1003852" cy="769441"/>
+          </a:xfrm>
+          <a:prstGeom prst="rect">
+            <a:avLst/>
+          </a:prstGeom>
+          <a:noFill/>
+        </p:spPr>
+        <p:txBody>
+          <a:bodyPr wrap="square" rtlCol="0">
+            <a:spAutoFit/>
+          </a:bodyPr>
+          <a:lstStyle/>
+          <a:p>
+            <a:r>
+              <a:rPr lang="en-US" sz="4400"/>
+              <a:t>.</a:t>
+            </a:r>
+          </a:p>
+        </p:txBody>
+      </p:sp>
+      <p:sp>
+        <p:nvSpPr>
+          <p:cNvPr id="19" name="Rectangle: Rounded Corners 18">
+            <a:extLst>
+              <a:ext uri="{FF2B5EF4-FFF2-40B4-BE49-F238E27FC236}">
+                <a16:creationId xmlns:a16="http://schemas.microsoft.com/office/drawing/2014/main" id="{31CCB473-6AB0-868A-CE1E-AB690D04152C}"/>
+              </a:ext>
+            </a:extLst>
+          </p:cNvPr>
+          <p:cNvSpPr/>
+          <p:nvPr/>
+        </p:nvSpPr>
+        <p:spPr>
+          <a:xfrm>
+            <a:off x="402529" y="3700140"/>
+            <a:ext cx="1759227" cy="566531"/>
+          </a:xfrm>
+          <a:prstGeom prst="roundRect">
+            <a:avLst/>
+          </a:prstGeom>
+          <a:noFill/>
+          <a:ln>
+            <a:solidFill>
+              <a:schemeClr val="tx1"/>
+            </a:solidFill>
+          </a:ln>
+        </p:spPr>
+        <p:style>
+          <a:lnRef idx="2">
+            <a:schemeClr val="accent1">
+              <a:shade val="50000"/>
+            </a:schemeClr>
+          </a:lnRef>
+          <a:fillRef idx="1">
+            <a:schemeClr val="accent1"/>
+          </a:fillRef>
+          <a:effectRef idx="0">
+            <a:schemeClr val="accent1"/>
+          </a:effectRef>
+          <a:fontRef idx="minor">
+            <a:schemeClr val="lt1"/>
+          </a:fontRef>
+        </p:style>
+        <p:txBody>
+          <a:bodyPr rtlCol="0" anchor="ctr"/>
+          <a:lstStyle/>
+          <a:p>
+            <a:pPr algn="ctr"/>
+            <a:r>
+              <a:rPr lang="en-US">
+                <a:solidFill>
+                  <a:schemeClr val="tx1"/>
+                </a:solidFill>
+              </a:rPr>
+              <a:t>Inverted residual</a:t>
+            </a:r>
+          </a:p>
+        </p:txBody>
+      </p:sp>
+      <p:sp>
+        <p:nvSpPr>
+          <p:cNvPr id="20" name="Right Brace 19">
+            <a:extLst>
+              <a:ext uri="{FF2B5EF4-FFF2-40B4-BE49-F238E27FC236}">
+                <a16:creationId xmlns:a16="http://schemas.microsoft.com/office/drawing/2014/main" id="{5B33A942-5E71-DAF1-9897-A07941F9B9AF}"/>
+              </a:ext>
+            </a:extLst>
+          </p:cNvPr>
+          <p:cNvSpPr/>
+          <p:nvPr/>
+        </p:nvSpPr>
+        <p:spPr>
+          <a:xfrm>
+            <a:off x="2305878" y="1582806"/>
+            <a:ext cx="506896" cy="2683865"/>
+          </a:xfrm>
+          <a:prstGeom prst="rightBrace">
+            <a:avLst>
+              <a:gd name="adj1" fmla="val 71078"/>
+              <a:gd name="adj2" fmla="val 50000"/>
+            </a:avLst>
+          </a:prstGeom>
+          <a:ln w="19050"/>
+        </p:spPr>
+        <p:style>
+          <a:lnRef idx="1">
+            <a:schemeClr val="accent1"/>
+          </a:lnRef>
+          <a:fillRef idx="0">
+            <a:schemeClr val="accent1"/>
+          </a:fillRef>
+          <a:effectRef idx="0">
+            <a:schemeClr val="accent1"/>
+          </a:effectRef>
+          <a:fontRef idx="minor">
+            <a:schemeClr val="tx1"/>
+          </a:fontRef>
+        </p:style>
+        <p:txBody>
+          <a:bodyPr rtlCol="0" anchor="ctr"/>
+          <a:lstStyle/>
+          <a:p>
+            <a:pPr algn="ctr"/>
+            <a:endParaRPr lang="en-US"/>
+          </a:p>
+        </p:txBody>
+      </p:sp>
+      <p:sp>
+        <p:nvSpPr>
+          <p:cNvPr id="21" name="TextBox 20">
+            <a:extLst>
+              <a:ext uri="{FF2B5EF4-FFF2-40B4-BE49-F238E27FC236}">
+                <a16:creationId xmlns:a16="http://schemas.microsoft.com/office/drawing/2014/main" id="{A40697FA-2E1F-40AA-7590-FD4619CDCC2C}"/>
+              </a:ext>
+            </a:extLst>
+          </p:cNvPr>
+          <p:cNvSpPr txBox="1"/>
+          <p:nvPr/>
+        </p:nvSpPr>
+        <p:spPr>
+          <a:xfrm>
+            <a:off x="2812774" y="2722925"/>
+            <a:ext cx="3180522" cy="369332"/>
+          </a:xfrm>
+          <a:prstGeom prst="rect">
+            <a:avLst/>
+          </a:prstGeom>
+          <a:noFill/>
+        </p:spPr>
+        <p:txBody>
+          <a:bodyPr wrap="square" rtlCol="0">
+            <a:spAutoFit/>
+          </a:bodyPr>
+          <a:lstStyle/>
+          <a:p>
+            <a:r>
+              <a:rPr lang="en-US"/>
+              <a:t>17 inverted residual blocks</a:t>
+            </a:r>
+          </a:p>
+        </p:txBody>
+      </p:sp>
+      <p:grpSp>
+        <p:nvGrpSpPr>
+          <p:cNvPr id="22" name="Group 21">
+            <a:extLst>
+              <a:ext uri="{FF2B5EF4-FFF2-40B4-BE49-F238E27FC236}">
+                <a16:creationId xmlns:a16="http://schemas.microsoft.com/office/drawing/2014/main" id="{539A24B1-5CD6-5117-61B6-51A1EDCF1F23}"/>
+              </a:ext>
+            </a:extLst>
+          </p:cNvPr>
+          <p:cNvGrpSpPr/>
+          <p:nvPr/>
+        </p:nvGrpSpPr>
+        <p:grpSpPr>
+          <a:xfrm>
+            <a:off x="402529" y="4417945"/>
+            <a:ext cx="1759227" cy="1287117"/>
+            <a:chOff x="402533" y="94422"/>
+            <a:chExt cx="1759227" cy="1287117"/>
+          </a:xfrm>
+        </p:grpSpPr>
+        <p:sp>
+          <p:nvSpPr>
+            <p:cNvPr id="23" name="Rectangle: Rounded Corners 22">
+              <a:extLst>
+                <a:ext uri="{FF2B5EF4-FFF2-40B4-BE49-F238E27FC236}">
+                  <a16:creationId xmlns:a16="http://schemas.microsoft.com/office/drawing/2014/main" id="{F2721EDB-0ABE-2C98-ECB0-C540B2720134}"/>
+                </a:ext>
+              </a:extLst>
+            </p:cNvPr>
+            <p:cNvSpPr/>
+            <p:nvPr/>
+          </p:nvSpPr>
+          <p:spPr>
+            <a:xfrm>
+              <a:off x="516835" y="238539"/>
+              <a:ext cx="1530626" cy="278296"/>
+            </a:xfrm>
+            <a:prstGeom prst="roundRect">
+              <a:avLst/>
+            </a:prstGeom>
+            <a:noFill/>
+            <a:ln>
+              <a:solidFill>
+                <a:schemeClr val="tx1"/>
+              </a:solidFill>
+            </a:ln>
+          </p:spPr>
+          <p:style>
+            <a:lnRef idx="2">
+              <a:schemeClr val="accent1">
+                <a:shade val="50000"/>
+              </a:schemeClr>
+            </a:lnRef>
+            <a:fillRef idx="1">
+              <a:schemeClr val="accent1"/>
+            </a:fillRef>
+            <a:effectRef idx="0">
+              <a:schemeClr val="accent1"/>
+            </a:effectRef>
+            <a:fontRef idx="minor">
+              <a:schemeClr val="lt1"/>
+            </a:fontRef>
+          </p:style>
+          <p:txBody>
+            <a:bodyPr rtlCol="0" anchor="ctr"/>
+            <a:lstStyle/>
+            <a:p>
+              <a:pPr algn="ctr"/>
+              <a:r>
+                <a:rPr lang="en-US">
+                  <a:solidFill>
+                    <a:schemeClr val="tx1"/>
+                  </a:solidFill>
+                </a:rPr>
+                <a:t>conv2d</a:t>
+              </a:r>
+            </a:p>
+          </p:txBody>
+        </p:sp>
+        <p:sp>
+          <p:nvSpPr>
+            <p:cNvPr id="24" name="Rectangle: Rounded Corners 23">
+              <a:extLst>
+                <a:ext uri="{FF2B5EF4-FFF2-40B4-BE49-F238E27FC236}">
+                  <a16:creationId xmlns:a16="http://schemas.microsoft.com/office/drawing/2014/main" id="{BA8238AD-FEF4-D969-45DD-582E6EF30FC0}"/>
+                </a:ext>
+              </a:extLst>
+            </p:cNvPr>
+            <p:cNvSpPr/>
+            <p:nvPr/>
+          </p:nvSpPr>
+          <p:spPr>
+            <a:xfrm>
+              <a:off x="516834" y="596348"/>
+              <a:ext cx="1530627" cy="278296"/>
+            </a:xfrm>
+            <a:prstGeom prst="roundRect">
+              <a:avLst/>
+            </a:prstGeom>
+            <a:noFill/>
+            <a:ln>
+              <a:solidFill>
+                <a:schemeClr val="tx1"/>
+              </a:solidFill>
+            </a:ln>
+          </p:spPr>
+          <p:style>
+            <a:lnRef idx="2">
+              <a:schemeClr val="accent1">
+                <a:shade val="50000"/>
+              </a:schemeClr>
+            </a:lnRef>
+            <a:fillRef idx="1">
+              <a:schemeClr val="accent1"/>
+            </a:fillRef>
+            <a:effectRef idx="0">
+              <a:schemeClr val="accent1"/>
+            </a:effectRef>
+            <a:fontRef idx="minor">
+              <a:schemeClr val="lt1"/>
+            </a:fontRef>
+          </p:style>
+          <p:txBody>
+            <a:bodyPr rtlCol="0" anchor="ctr"/>
+            <a:lstStyle/>
+            <a:p>
+              <a:pPr algn="ctr"/>
+              <a:r>
+                <a:rPr lang="en-US">
+                  <a:solidFill>
+                    <a:schemeClr val="tx1"/>
+                  </a:solidFill>
+                </a:rPr>
+                <a:t>batchnorm2d</a:t>
+              </a:r>
+            </a:p>
+          </p:txBody>
+        </p:sp>
+        <p:sp>
+          <p:nvSpPr>
+            <p:cNvPr id="25" name="Rectangle: Rounded Corners 24">
+              <a:extLst>
+                <a:ext uri="{FF2B5EF4-FFF2-40B4-BE49-F238E27FC236}">
+                  <a16:creationId xmlns:a16="http://schemas.microsoft.com/office/drawing/2014/main" id="{8F40F313-F048-BD3A-CBA6-1C92FF644E39}"/>
+                </a:ext>
+              </a:extLst>
+            </p:cNvPr>
+            <p:cNvSpPr/>
+            <p:nvPr/>
+          </p:nvSpPr>
+          <p:spPr>
+            <a:xfrm>
+              <a:off x="516834" y="954157"/>
+              <a:ext cx="1530627" cy="278296"/>
+            </a:xfrm>
+            <a:prstGeom prst="roundRect">
+              <a:avLst/>
+            </a:prstGeom>
+            <a:noFill/>
+            <a:ln>
+              <a:solidFill>
+                <a:schemeClr val="tx1"/>
+              </a:solidFill>
+            </a:ln>
+          </p:spPr>
+          <p:style>
+            <a:lnRef idx="2">
+              <a:schemeClr val="accent1">
+                <a:shade val="50000"/>
+              </a:schemeClr>
+            </a:lnRef>
+            <a:fillRef idx="1">
+              <a:schemeClr val="accent1"/>
+            </a:fillRef>
+            <a:effectRef idx="0">
+              <a:schemeClr val="accent1"/>
+            </a:effectRef>
+            <a:fontRef idx="minor">
+              <a:schemeClr val="lt1"/>
+            </a:fontRef>
+          </p:style>
+          <p:txBody>
+            <a:bodyPr rtlCol="0" anchor="ctr"/>
+            <a:lstStyle/>
+            <a:p>
+              <a:pPr algn="ctr"/>
+              <a:r>
+                <a:rPr lang="en-US">
+                  <a:solidFill>
+                    <a:schemeClr val="tx1"/>
+                  </a:solidFill>
+                </a:rPr>
+                <a:t>ReLU6</a:t>
+              </a:r>
+            </a:p>
+          </p:txBody>
+        </p:sp>
+        <p:sp>
+          <p:nvSpPr>
+            <p:cNvPr id="26" name="Rectangle: Rounded Corners 25">
+              <a:extLst>
+                <a:ext uri="{FF2B5EF4-FFF2-40B4-BE49-F238E27FC236}">
+                  <a16:creationId xmlns:a16="http://schemas.microsoft.com/office/drawing/2014/main" id="{5D73F8CF-0E87-0015-D2BD-682633FDF7BB}"/>
+                </a:ext>
+              </a:extLst>
+            </p:cNvPr>
+            <p:cNvSpPr/>
+            <p:nvPr/>
+          </p:nvSpPr>
+          <p:spPr>
+            <a:xfrm>
+              <a:off x="402533" y="94422"/>
+              <a:ext cx="1759227" cy="1287117"/>
+            </a:xfrm>
+            <a:prstGeom prst="roundRect">
+              <a:avLst/>
+            </a:prstGeom>
+            <a:noFill/>
+            <a:ln>
+              <a:solidFill>
+                <a:schemeClr val="tx1"/>
+              </a:solidFill>
+            </a:ln>
+          </p:spPr>
+          <p:style>
+            <a:lnRef idx="2">
+              <a:schemeClr val="accent1">
+                <a:shade val="50000"/>
+              </a:schemeClr>
+            </a:lnRef>
+            <a:fillRef idx="1">
+              <a:schemeClr val="accent1"/>
+            </a:fillRef>
+            <a:effectRef idx="0">
+              <a:schemeClr val="accent1"/>
+            </a:effectRef>
+            <a:fontRef idx="minor">
+              <a:schemeClr val="lt1"/>
+            </a:fontRef>
+          </p:style>
+          <p:txBody>
+            <a:bodyPr rtlCol="0" anchor="ctr"/>
+            <a:lstStyle/>
+            <a:p>
+              <a:pPr algn="ctr"/>
+              <a:endParaRPr lang="en-US">
+                <a:solidFill>
+                  <a:schemeClr val="tx1"/>
+                </a:solidFill>
+              </a:endParaRPr>
+            </a:p>
+          </p:txBody>
+        </p:sp>
+      </p:grpSp>
+      <p:sp>
+        <p:nvSpPr>
+          <p:cNvPr id="27" name="TextBox 26">
+            <a:extLst>
+              <a:ext uri="{FF2B5EF4-FFF2-40B4-BE49-F238E27FC236}">
+                <a16:creationId xmlns:a16="http://schemas.microsoft.com/office/drawing/2014/main" id="{EDDCC48F-624D-023C-E913-4014E2844D89}"/>
+              </a:ext>
+            </a:extLst>
+          </p:cNvPr>
+          <p:cNvSpPr txBox="1"/>
+          <p:nvPr/>
+        </p:nvSpPr>
+        <p:spPr>
+          <a:xfrm>
+            <a:off x="1088332" y="2722925"/>
+            <a:ext cx="1003852" cy="769441"/>
+          </a:xfrm>
+          <a:prstGeom prst="rect">
+            <a:avLst/>
+          </a:prstGeom>
+          <a:noFill/>
+        </p:spPr>
+        <p:txBody>
+          <a:bodyPr wrap="square" rtlCol="0">
+            <a:spAutoFit/>
+          </a:bodyPr>
+          <a:lstStyle/>
+          <a:p>
+            <a:r>
+              <a:rPr lang="en-US" sz="4400"/>
+              <a:t>.</a:t>
+            </a:r>
+          </a:p>
+        </p:txBody>
+      </p:sp>
+      <p:sp>
+        <p:nvSpPr>
+          <p:cNvPr id="28" name="TextBox 27">
+            <a:extLst>
+              <a:ext uri="{FF2B5EF4-FFF2-40B4-BE49-F238E27FC236}">
+                <a16:creationId xmlns:a16="http://schemas.microsoft.com/office/drawing/2014/main" id="{9A681BEE-C825-5B6F-D163-2CD547A90142}"/>
+              </a:ext>
+            </a:extLst>
+          </p:cNvPr>
+          <p:cNvSpPr txBox="1"/>
+          <p:nvPr/>
+        </p:nvSpPr>
+        <p:spPr>
+          <a:xfrm>
+            <a:off x="1090299" y="2975721"/>
+            <a:ext cx="1003852" cy="769441"/>
+          </a:xfrm>
+          <a:prstGeom prst="rect">
+            <a:avLst/>
+          </a:prstGeom>
+          <a:noFill/>
+        </p:spPr>
+        <p:txBody>
+          <a:bodyPr wrap="square" rtlCol="0">
+            <a:spAutoFit/>
+          </a:bodyPr>
+          <a:lstStyle/>
+          <a:p>
+            <a:r>
+              <a:rPr lang="en-US" sz="4400"/>
+              <a:t>.</a:t>
+            </a:r>
+          </a:p>
+        </p:txBody>
+      </p:sp>
+      <p:grpSp>
+        <p:nvGrpSpPr>
+          <p:cNvPr id="30" name="Group 29">
+            <a:extLst>
+              <a:ext uri="{FF2B5EF4-FFF2-40B4-BE49-F238E27FC236}">
+                <a16:creationId xmlns:a16="http://schemas.microsoft.com/office/drawing/2014/main" id="{A90FA07D-0C87-DC95-7AF5-B0F3DC8DBADC}"/>
+              </a:ext>
+            </a:extLst>
+          </p:cNvPr>
+          <p:cNvGrpSpPr/>
+          <p:nvPr/>
+        </p:nvGrpSpPr>
+        <p:grpSpPr>
+          <a:xfrm>
+            <a:off x="360285" y="5826814"/>
+            <a:ext cx="1843713" cy="949187"/>
+            <a:chOff x="402532" y="76436"/>
+            <a:chExt cx="1759227" cy="949187"/>
+          </a:xfrm>
+        </p:grpSpPr>
+        <p:sp>
+          <p:nvSpPr>
+            <p:cNvPr id="31" name="Rectangle: Rounded Corners 30">
+              <a:extLst>
+                <a:ext uri="{FF2B5EF4-FFF2-40B4-BE49-F238E27FC236}">
+                  <a16:creationId xmlns:a16="http://schemas.microsoft.com/office/drawing/2014/main" id="{0A7F8987-DCFA-5C64-B624-497F2C8C7F08}"/>
+                </a:ext>
+              </a:extLst>
+            </p:cNvPr>
+            <p:cNvSpPr/>
+            <p:nvPr/>
+          </p:nvSpPr>
+          <p:spPr>
+            <a:xfrm>
+              <a:off x="516835" y="238539"/>
+              <a:ext cx="1530626" cy="278296"/>
+            </a:xfrm>
+            <a:prstGeom prst="roundRect">
+              <a:avLst/>
+            </a:prstGeom>
+            <a:noFill/>
+            <a:ln>
+              <a:solidFill>
+                <a:schemeClr val="tx1"/>
+              </a:solidFill>
+            </a:ln>
+          </p:spPr>
+          <p:style>
+            <a:lnRef idx="2">
+              <a:schemeClr val="accent1">
+                <a:shade val="50000"/>
+              </a:schemeClr>
+            </a:lnRef>
+            <a:fillRef idx="1">
+              <a:schemeClr val="accent1"/>
+            </a:fillRef>
+            <a:effectRef idx="0">
+              <a:schemeClr val="accent1"/>
+            </a:effectRef>
+            <a:fontRef idx="minor">
+              <a:schemeClr val="lt1"/>
+            </a:fontRef>
+          </p:style>
+          <p:txBody>
+            <a:bodyPr rtlCol="0" anchor="ctr"/>
+            <a:lstStyle/>
+            <a:p>
+              <a:pPr algn="ctr"/>
+              <a:r>
+                <a:rPr lang="en-US">
+                  <a:solidFill>
+                    <a:schemeClr val="tx1"/>
+                  </a:solidFill>
+                </a:rPr>
+                <a:t>dropout</a:t>
+              </a:r>
+            </a:p>
+          </p:txBody>
+        </p:sp>
+        <p:sp>
+          <p:nvSpPr>
+            <p:cNvPr id="32" name="Rectangle: Rounded Corners 31">
+              <a:extLst>
+                <a:ext uri="{FF2B5EF4-FFF2-40B4-BE49-F238E27FC236}">
+                  <a16:creationId xmlns:a16="http://schemas.microsoft.com/office/drawing/2014/main" id="{8E5E32C8-EB30-975A-A036-96A415CB1D98}"/>
+                </a:ext>
+              </a:extLst>
+            </p:cNvPr>
+            <p:cNvSpPr/>
+            <p:nvPr/>
+          </p:nvSpPr>
+          <p:spPr>
+            <a:xfrm>
+              <a:off x="516834" y="596348"/>
+              <a:ext cx="1530626" cy="278296"/>
+            </a:xfrm>
+            <a:prstGeom prst="roundRect">
+              <a:avLst/>
+            </a:prstGeom>
+            <a:noFill/>
+            <a:ln>
+              <a:solidFill>
+                <a:schemeClr val="tx1"/>
+              </a:solidFill>
+            </a:ln>
+          </p:spPr>
+          <p:style>
+            <a:lnRef idx="2">
+              <a:schemeClr val="accent1">
+                <a:shade val="50000"/>
+              </a:schemeClr>
+            </a:lnRef>
+            <a:fillRef idx="1">
+              <a:schemeClr val="accent1"/>
+            </a:fillRef>
+            <a:effectRef idx="0">
+              <a:schemeClr val="accent1"/>
+            </a:effectRef>
+            <a:fontRef idx="minor">
+              <a:schemeClr val="lt1"/>
+            </a:fontRef>
+          </p:style>
+          <p:txBody>
+            <a:bodyPr rtlCol="0" anchor="ctr"/>
+            <a:lstStyle/>
+            <a:p>
+              <a:pPr algn="ctr"/>
+              <a:r>
+                <a:rPr lang="en-US">
+                  <a:solidFill>
+                    <a:schemeClr val="tx1"/>
+                  </a:solidFill>
+                </a:rPr>
+                <a:t>linear(1280, 6)</a:t>
+              </a:r>
+            </a:p>
+          </p:txBody>
+        </p:sp>
+        <p:sp>
+          <p:nvSpPr>
+            <p:cNvPr id="34" name="Rectangle: Rounded Corners 33">
+              <a:extLst>
+                <a:ext uri="{FF2B5EF4-FFF2-40B4-BE49-F238E27FC236}">
+                  <a16:creationId xmlns:a16="http://schemas.microsoft.com/office/drawing/2014/main" id="{82BA6A00-2E49-C457-1CBC-058794009ED1}"/>
+                </a:ext>
+              </a:extLst>
+            </p:cNvPr>
+            <p:cNvSpPr/>
+            <p:nvPr/>
+          </p:nvSpPr>
+          <p:spPr>
+            <a:xfrm>
+              <a:off x="402532" y="76436"/>
+              <a:ext cx="1759227" cy="949187"/>
+            </a:xfrm>
+            <a:prstGeom prst="roundRect">
+              <a:avLst/>
+            </a:prstGeom>
+            <a:noFill/>
+            <a:ln>
+              <a:solidFill>
+                <a:schemeClr val="tx1"/>
+              </a:solidFill>
+            </a:ln>
+          </p:spPr>
+          <p:style>
+            <a:lnRef idx="2">
+              <a:schemeClr val="accent1">
+                <a:shade val="50000"/>
+              </a:schemeClr>
+            </a:lnRef>
+            <a:fillRef idx="1">
+              <a:schemeClr val="accent1"/>
+            </a:fillRef>
+            <a:effectRef idx="0">
+              <a:schemeClr val="accent1"/>
+            </a:effectRef>
+            <a:fontRef idx="minor">
+              <a:schemeClr val="lt1"/>
+            </a:fontRef>
+          </p:style>
+          <p:txBody>
+            <a:bodyPr rtlCol="0" anchor="ctr"/>
+            <a:lstStyle/>
+            <a:p>
+              <a:pPr algn="ctr"/>
+              <a:endParaRPr lang="en-US">
+                <a:solidFill>
+                  <a:schemeClr val="tx1"/>
+                </a:solidFill>
+              </a:endParaRPr>
+            </a:p>
+          </p:txBody>
+        </p:sp>
+      </p:grpSp>
+    </p:spTree>
+    <p:extLst>
+      <p:ext uri="{BB962C8B-B14F-4D97-AF65-F5344CB8AC3E}">
+        <p14:creationId xmlns:p14="http://schemas.microsoft.com/office/powerpoint/2010/main" val="2523442288"/>
+      </p:ext>
+    </p:extLst>
+  </p:cSld>
+  <p:clrMapOvr>
+    <a:masterClrMapping/>
+  </p:clrMapOvr>
+</p:sld>
+</file>
+
 <file path=ppt/theme/theme1.xml><?xml version="1.0" encoding="utf-8"?>
 <a:theme xmlns:a="http://schemas.openxmlformats.org/drawingml/2006/main" name="Office Theme">
   <a:themeElements>
